--- a/문서/자료용 PPT/개요도.pptx
+++ b/문서/자료용 PPT/개요도.pptx
@@ -4,6 +4,9 @@
   <p:sldMasterIdLst>
     <p:sldMasterId id="2147483648" r:id="rId1"/>
   </p:sldMasterIdLst>
+  <p:notesMasterIdLst>
+    <p:notesMasterId r:id="rId3"/>
+  </p:notesMasterIdLst>
   <p:sldIdLst>
     <p:sldId id="256" r:id="rId2"/>
   </p:sldIdLst>
@@ -107,6 +110,440 @@
 </p:presentation>
 </file>
 
+<file path=ppt/notesMasters/notesMaster1.xml><?xml version="1.0" encoding="utf-8"?>
+<p:notesMaster xmlns:a="http://schemas.openxmlformats.org/drawingml/2006/main" xmlns:r="http://schemas.openxmlformats.org/officeDocument/2006/relationships" xmlns:p="http://schemas.openxmlformats.org/presentationml/2006/main">
+  <p:cSld>
+    <p:bg>
+      <p:bgRef idx="1001">
+        <a:schemeClr val="bg1"/>
+      </p:bgRef>
+    </p:bg>
+    <p:spTree>
+      <p:nvGrpSpPr>
+        <p:cNvPr id="1" name=""/>
+        <p:cNvGrpSpPr/>
+        <p:nvPr/>
+      </p:nvGrpSpPr>
+      <p:grpSpPr>
+        <a:xfrm>
+          <a:off x="0" y="0"/>
+          <a:ext cx="0" cy="0"/>
+          <a:chOff x="0" y="0"/>
+          <a:chExt cx="0" cy="0"/>
+        </a:xfrm>
+      </p:grpSpPr>
+      <p:sp>
+        <p:nvSpPr>
+          <p:cNvPr id="2" name="머리글 개체 틀 1"/>
+          <p:cNvSpPr>
+            <a:spLocks noGrp="1"/>
+          </p:cNvSpPr>
+          <p:nvPr>
+            <p:ph type="hdr" sz="quarter"/>
+          </p:nvPr>
+        </p:nvSpPr>
+        <p:spPr>
+          <a:xfrm>
+            <a:off x="0" y="0"/>
+            <a:ext cx="2971800" cy="457200"/>
+          </a:xfrm>
+          <a:prstGeom prst="rect">
+            <a:avLst/>
+          </a:prstGeom>
+        </p:spPr>
+        <p:txBody>
+          <a:bodyPr vert="horz" lIns="91440" tIns="45720" rIns="91440" bIns="45720" rtlCol="0"/>
+          <a:lstStyle>
+            <a:lvl1pPr algn="l">
+              <a:defRPr sz="1200"/>
+            </a:lvl1pPr>
+          </a:lstStyle>
+          <a:p>
+            <a:endParaRPr lang="ko-KR" altLang="en-US"/>
+          </a:p>
+        </p:txBody>
+      </p:sp>
+      <p:sp>
+        <p:nvSpPr>
+          <p:cNvPr id="3" name="날짜 개체 틀 2"/>
+          <p:cNvSpPr>
+            <a:spLocks noGrp="1"/>
+          </p:cNvSpPr>
+          <p:nvPr>
+            <p:ph type="dt" idx="1"/>
+          </p:nvPr>
+        </p:nvSpPr>
+        <p:spPr>
+          <a:xfrm>
+            <a:off x="3884613" y="0"/>
+            <a:ext cx="2971800" cy="457200"/>
+          </a:xfrm>
+          <a:prstGeom prst="rect">
+            <a:avLst/>
+          </a:prstGeom>
+        </p:spPr>
+        <p:txBody>
+          <a:bodyPr vert="horz" lIns="91440" tIns="45720" rIns="91440" bIns="45720" rtlCol="0"/>
+          <a:lstStyle>
+            <a:lvl1pPr algn="r">
+              <a:defRPr sz="1200"/>
+            </a:lvl1pPr>
+          </a:lstStyle>
+          <a:p>
+            <a:fld id="{5CED86A3-970F-4C19-B2A2-6366369032A5}" type="datetimeFigureOut">
+              <a:rPr lang="ko-KR" altLang="en-US" smtClean="0"/>
+              <a:t>2023-07-05</a:t>
+            </a:fld>
+            <a:endParaRPr lang="ko-KR" altLang="en-US"/>
+          </a:p>
+        </p:txBody>
+      </p:sp>
+      <p:sp>
+        <p:nvSpPr>
+          <p:cNvPr id="4" name="슬라이드 이미지 개체 틀 3"/>
+          <p:cNvSpPr>
+            <a:spLocks noGrp="1" noRot="1" noChangeAspect="1"/>
+          </p:cNvSpPr>
+          <p:nvPr>
+            <p:ph type="sldImg" idx="2"/>
+          </p:nvPr>
+        </p:nvSpPr>
+        <p:spPr>
+          <a:xfrm>
+            <a:off x="1143000" y="685800"/>
+            <a:ext cx="4572000" cy="3429000"/>
+          </a:xfrm>
+          <a:prstGeom prst="rect">
+            <a:avLst/>
+          </a:prstGeom>
+          <a:noFill/>
+          <a:ln w="12700">
+            <a:solidFill>
+              <a:prstClr val="black"/>
+            </a:solidFill>
+          </a:ln>
+        </p:spPr>
+        <p:txBody>
+          <a:bodyPr vert="horz" lIns="91440" tIns="45720" rIns="91440" bIns="45720" rtlCol="0" anchor="ctr"/>
+          <a:lstStyle/>
+          <a:p>
+            <a:endParaRPr lang="ko-KR" altLang="en-US"/>
+          </a:p>
+        </p:txBody>
+      </p:sp>
+      <p:sp>
+        <p:nvSpPr>
+          <p:cNvPr id="5" name="슬라이드 노트 개체 틀 4"/>
+          <p:cNvSpPr>
+            <a:spLocks noGrp="1"/>
+          </p:cNvSpPr>
+          <p:nvPr>
+            <p:ph type="body" sz="quarter" idx="3"/>
+          </p:nvPr>
+        </p:nvSpPr>
+        <p:spPr>
+          <a:xfrm>
+            <a:off x="685800" y="4343400"/>
+            <a:ext cx="5486400" cy="4114800"/>
+          </a:xfrm>
+          <a:prstGeom prst="rect">
+            <a:avLst/>
+          </a:prstGeom>
+        </p:spPr>
+        <p:txBody>
+          <a:bodyPr vert="horz" lIns="91440" tIns="45720" rIns="91440" bIns="45720" rtlCol="0"/>
+          <a:lstStyle/>
+          <a:p>
+            <a:pPr lvl="0"/>
+            <a:r>
+              <a:rPr lang="ko-KR" altLang="en-US" smtClean="0"/>
+              <a:t>마스터 텍스트 스타일을 편집합니다</a:t>
+            </a:r>
+          </a:p>
+          <a:p>
+            <a:pPr lvl="1"/>
+            <a:r>
+              <a:rPr lang="ko-KR" altLang="en-US" smtClean="0"/>
+              <a:t>둘째 수준</a:t>
+            </a:r>
+          </a:p>
+          <a:p>
+            <a:pPr lvl="2"/>
+            <a:r>
+              <a:rPr lang="ko-KR" altLang="en-US" smtClean="0"/>
+              <a:t>셋째 수준</a:t>
+            </a:r>
+          </a:p>
+          <a:p>
+            <a:pPr lvl="3"/>
+            <a:r>
+              <a:rPr lang="ko-KR" altLang="en-US" smtClean="0"/>
+              <a:t>넷째 수준</a:t>
+            </a:r>
+          </a:p>
+          <a:p>
+            <a:pPr lvl="4"/>
+            <a:r>
+              <a:rPr lang="ko-KR" altLang="en-US" smtClean="0"/>
+              <a:t>다섯째 수준</a:t>
+            </a:r>
+            <a:endParaRPr lang="ko-KR" altLang="en-US"/>
+          </a:p>
+        </p:txBody>
+      </p:sp>
+      <p:sp>
+        <p:nvSpPr>
+          <p:cNvPr id="6" name="바닥글 개체 틀 5"/>
+          <p:cNvSpPr>
+            <a:spLocks noGrp="1"/>
+          </p:cNvSpPr>
+          <p:nvPr>
+            <p:ph type="ftr" sz="quarter" idx="4"/>
+          </p:nvPr>
+        </p:nvSpPr>
+        <p:spPr>
+          <a:xfrm>
+            <a:off x="0" y="8685213"/>
+            <a:ext cx="2971800" cy="457200"/>
+          </a:xfrm>
+          <a:prstGeom prst="rect">
+            <a:avLst/>
+          </a:prstGeom>
+        </p:spPr>
+        <p:txBody>
+          <a:bodyPr vert="horz" lIns="91440" tIns="45720" rIns="91440" bIns="45720" rtlCol="0" anchor="b"/>
+          <a:lstStyle>
+            <a:lvl1pPr algn="l">
+              <a:defRPr sz="1200"/>
+            </a:lvl1pPr>
+          </a:lstStyle>
+          <a:p>
+            <a:endParaRPr lang="ko-KR" altLang="en-US"/>
+          </a:p>
+        </p:txBody>
+      </p:sp>
+      <p:sp>
+        <p:nvSpPr>
+          <p:cNvPr id="7" name="슬라이드 번호 개체 틀 6"/>
+          <p:cNvSpPr>
+            <a:spLocks noGrp="1"/>
+          </p:cNvSpPr>
+          <p:nvPr>
+            <p:ph type="sldNum" sz="quarter" idx="5"/>
+          </p:nvPr>
+        </p:nvSpPr>
+        <p:spPr>
+          <a:xfrm>
+            <a:off x="3884613" y="8685213"/>
+            <a:ext cx="2971800" cy="457200"/>
+          </a:xfrm>
+          <a:prstGeom prst="rect">
+            <a:avLst/>
+          </a:prstGeom>
+        </p:spPr>
+        <p:txBody>
+          <a:bodyPr vert="horz" lIns="91440" tIns="45720" rIns="91440" bIns="45720" rtlCol="0" anchor="b"/>
+          <a:lstStyle>
+            <a:lvl1pPr algn="r">
+              <a:defRPr sz="1200"/>
+            </a:lvl1pPr>
+          </a:lstStyle>
+          <a:p>
+            <a:fld id="{914D4C38-2E98-4052-992F-2C2223D7532A}" type="slidenum">
+              <a:rPr lang="ko-KR" altLang="en-US" smtClean="0"/>
+              <a:t>‹#›</a:t>
+            </a:fld>
+            <a:endParaRPr lang="ko-KR" altLang="en-US"/>
+          </a:p>
+        </p:txBody>
+      </p:sp>
+    </p:spTree>
+    <p:extLst>
+      <p:ext uri="{BB962C8B-B14F-4D97-AF65-F5344CB8AC3E}">
+        <p14:creationId xmlns:p14="http://schemas.microsoft.com/office/powerpoint/2010/main" val="1782616426"/>
+      </p:ext>
+    </p:extLst>
+  </p:cSld>
+  <p:clrMap bg1="lt1" tx1="dk1" bg2="lt2" tx2="dk2" accent1="accent1" accent2="accent2" accent3="accent3" accent4="accent4" accent5="accent5" accent6="accent6" hlink="hlink" folHlink="folHlink"/>
+  <p:notesStyle>
+    <a:lvl1pPr marL="0" algn="l" defTabSz="914400" rtl="0" eaLnBrk="1" latinLnBrk="1" hangingPunct="1">
+      <a:defRPr sz="1200" kern="1200">
+        <a:solidFill>
+          <a:schemeClr val="tx1"/>
+        </a:solidFill>
+        <a:latin typeface="+mn-lt"/>
+        <a:ea typeface="+mn-ea"/>
+        <a:cs typeface="+mn-cs"/>
+      </a:defRPr>
+    </a:lvl1pPr>
+    <a:lvl2pPr marL="457200" algn="l" defTabSz="914400" rtl="0" eaLnBrk="1" latinLnBrk="1" hangingPunct="1">
+      <a:defRPr sz="1200" kern="1200">
+        <a:solidFill>
+          <a:schemeClr val="tx1"/>
+        </a:solidFill>
+        <a:latin typeface="+mn-lt"/>
+        <a:ea typeface="+mn-ea"/>
+        <a:cs typeface="+mn-cs"/>
+      </a:defRPr>
+    </a:lvl2pPr>
+    <a:lvl3pPr marL="914400" algn="l" defTabSz="914400" rtl="0" eaLnBrk="1" latinLnBrk="1" hangingPunct="1">
+      <a:defRPr sz="1200" kern="1200">
+        <a:solidFill>
+          <a:schemeClr val="tx1"/>
+        </a:solidFill>
+        <a:latin typeface="+mn-lt"/>
+        <a:ea typeface="+mn-ea"/>
+        <a:cs typeface="+mn-cs"/>
+      </a:defRPr>
+    </a:lvl3pPr>
+    <a:lvl4pPr marL="1371600" algn="l" defTabSz="914400" rtl="0" eaLnBrk="1" latinLnBrk="1" hangingPunct="1">
+      <a:defRPr sz="1200" kern="1200">
+        <a:solidFill>
+          <a:schemeClr val="tx1"/>
+        </a:solidFill>
+        <a:latin typeface="+mn-lt"/>
+        <a:ea typeface="+mn-ea"/>
+        <a:cs typeface="+mn-cs"/>
+      </a:defRPr>
+    </a:lvl4pPr>
+    <a:lvl5pPr marL="1828800" algn="l" defTabSz="914400" rtl="0" eaLnBrk="1" latinLnBrk="1" hangingPunct="1">
+      <a:defRPr sz="1200" kern="1200">
+        <a:solidFill>
+          <a:schemeClr val="tx1"/>
+        </a:solidFill>
+        <a:latin typeface="+mn-lt"/>
+        <a:ea typeface="+mn-ea"/>
+        <a:cs typeface="+mn-cs"/>
+      </a:defRPr>
+    </a:lvl5pPr>
+    <a:lvl6pPr marL="2286000" algn="l" defTabSz="914400" rtl="0" eaLnBrk="1" latinLnBrk="1" hangingPunct="1">
+      <a:defRPr sz="1200" kern="1200">
+        <a:solidFill>
+          <a:schemeClr val="tx1"/>
+        </a:solidFill>
+        <a:latin typeface="+mn-lt"/>
+        <a:ea typeface="+mn-ea"/>
+        <a:cs typeface="+mn-cs"/>
+      </a:defRPr>
+    </a:lvl6pPr>
+    <a:lvl7pPr marL="2743200" algn="l" defTabSz="914400" rtl="0" eaLnBrk="1" latinLnBrk="1" hangingPunct="1">
+      <a:defRPr sz="1200" kern="1200">
+        <a:solidFill>
+          <a:schemeClr val="tx1"/>
+        </a:solidFill>
+        <a:latin typeface="+mn-lt"/>
+        <a:ea typeface="+mn-ea"/>
+        <a:cs typeface="+mn-cs"/>
+      </a:defRPr>
+    </a:lvl7pPr>
+    <a:lvl8pPr marL="3200400" algn="l" defTabSz="914400" rtl="0" eaLnBrk="1" latinLnBrk="1" hangingPunct="1">
+      <a:defRPr sz="1200" kern="1200">
+        <a:solidFill>
+          <a:schemeClr val="tx1"/>
+        </a:solidFill>
+        <a:latin typeface="+mn-lt"/>
+        <a:ea typeface="+mn-ea"/>
+        <a:cs typeface="+mn-cs"/>
+      </a:defRPr>
+    </a:lvl8pPr>
+    <a:lvl9pPr marL="3657600" algn="l" defTabSz="914400" rtl="0" eaLnBrk="1" latinLnBrk="1" hangingPunct="1">
+      <a:defRPr sz="1200" kern="1200">
+        <a:solidFill>
+          <a:schemeClr val="tx1"/>
+        </a:solidFill>
+        <a:latin typeface="+mn-lt"/>
+        <a:ea typeface="+mn-ea"/>
+        <a:cs typeface="+mn-cs"/>
+      </a:defRPr>
+    </a:lvl9pPr>
+  </p:notesStyle>
+</p:notesMaster>
+</file>
+
+<file path=ppt/notesSlides/notesSlide1.xml><?xml version="1.0" encoding="utf-8"?>
+<p:notes xmlns:a="http://schemas.openxmlformats.org/drawingml/2006/main" xmlns:r="http://schemas.openxmlformats.org/officeDocument/2006/relationships" xmlns:p="http://schemas.openxmlformats.org/presentationml/2006/main">
+  <p:cSld>
+    <p:spTree>
+      <p:nvGrpSpPr>
+        <p:cNvPr id="1" name=""/>
+        <p:cNvGrpSpPr/>
+        <p:nvPr/>
+      </p:nvGrpSpPr>
+      <p:grpSpPr>
+        <a:xfrm>
+          <a:off x="0" y="0"/>
+          <a:ext cx="0" cy="0"/>
+          <a:chOff x="0" y="0"/>
+          <a:chExt cx="0" cy="0"/>
+        </a:xfrm>
+      </p:grpSpPr>
+      <p:sp>
+        <p:nvSpPr>
+          <p:cNvPr id="2" name="슬라이드 이미지 개체 틀 1"/>
+          <p:cNvSpPr>
+            <a:spLocks noGrp="1" noRot="1" noChangeAspect="1"/>
+          </p:cNvSpPr>
+          <p:nvPr>
+            <p:ph type="sldImg"/>
+          </p:nvPr>
+        </p:nvSpPr>
+        <p:spPr/>
+      </p:sp>
+      <p:sp>
+        <p:nvSpPr>
+          <p:cNvPr id="3" name="슬라이드 노트 개체 틀 2"/>
+          <p:cNvSpPr>
+            <a:spLocks noGrp="1"/>
+          </p:cNvSpPr>
+          <p:nvPr>
+            <p:ph type="body" idx="1"/>
+          </p:nvPr>
+        </p:nvSpPr>
+        <p:spPr/>
+        <p:txBody>
+          <a:bodyPr/>
+          <a:lstStyle/>
+          <a:p>
+            <a:endParaRPr lang="ko-KR" altLang="en-US" dirty="0"/>
+          </a:p>
+        </p:txBody>
+      </p:sp>
+      <p:sp>
+        <p:nvSpPr>
+          <p:cNvPr id="4" name="슬라이드 번호 개체 틀 3"/>
+          <p:cNvSpPr>
+            <a:spLocks noGrp="1"/>
+          </p:cNvSpPr>
+          <p:nvPr>
+            <p:ph type="sldNum" sz="quarter" idx="10"/>
+          </p:nvPr>
+        </p:nvSpPr>
+        <p:spPr/>
+        <p:txBody>
+          <a:bodyPr/>
+          <a:lstStyle/>
+          <a:p>
+            <a:fld id="{914D4C38-2E98-4052-992F-2C2223D7532A}" type="slidenum">
+              <a:rPr lang="ko-KR" altLang="en-US" smtClean="0"/>
+              <a:t>1</a:t>
+            </a:fld>
+            <a:endParaRPr lang="ko-KR" altLang="en-US"/>
+          </a:p>
+        </p:txBody>
+      </p:sp>
+    </p:spTree>
+    <p:extLst>
+      <p:ext uri="{BB962C8B-B14F-4D97-AF65-F5344CB8AC3E}">
+        <p14:creationId xmlns:p14="http://schemas.microsoft.com/office/powerpoint/2010/main" val="2768109698"/>
+      </p:ext>
+    </p:extLst>
+  </p:cSld>
+  <p:clrMapOvr>
+    <a:masterClrMapping/>
+  </p:clrMapOvr>
+</p:notes>
+</file>
+
 <file path=ppt/slideLayouts/slideLayout1.xml><?xml version="1.0" encoding="utf-8"?>
 <p:sldLayout xmlns:a="http://schemas.openxmlformats.org/drawingml/2006/main" xmlns:r="http://schemas.openxmlformats.org/officeDocument/2006/relationships" xmlns:p="http://schemas.openxmlformats.org/presentationml/2006/main" type="title" preserve="1">
   <p:cSld name="제목 슬라이드">
@@ -288,7 +725,7 @@
           <a:p>
             <a:fld id="{1B31F98E-C47E-4CA9-AF61-CC16F78FD47B}" type="datetimeFigureOut">
               <a:rPr lang="ko-KR" altLang="en-US" smtClean="0"/>
-              <a:t>2023-05-10</a:t>
+              <a:t>2023-07-05</a:t>
             </a:fld>
             <a:endParaRPr lang="ko-KR" altLang="en-US"/>
           </a:p>
@@ -458,7 +895,7 @@
           <a:p>
             <a:fld id="{1B31F98E-C47E-4CA9-AF61-CC16F78FD47B}" type="datetimeFigureOut">
               <a:rPr lang="ko-KR" altLang="en-US" smtClean="0"/>
-              <a:t>2023-05-10</a:t>
+              <a:t>2023-07-05</a:t>
             </a:fld>
             <a:endParaRPr lang="ko-KR" altLang="en-US"/>
           </a:p>
@@ -638,7 +1075,7 @@
           <a:p>
             <a:fld id="{1B31F98E-C47E-4CA9-AF61-CC16F78FD47B}" type="datetimeFigureOut">
               <a:rPr lang="ko-KR" altLang="en-US" smtClean="0"/>
-              <a:t>2023-05-10</a:t>
+              <a:t>2023-07-05</a:t>
             </a:fld>
             <a:endParaRPr lang="ko-KR" altLang="en-US"/>
           </a:p>
@@ -808,7 +1245,7 @@
           <a:p>
             <a:fld id="{1B31F98E-C47E-4CA9-AF61-CC16F78FD47B}" type="datetimeFigureOut">
               <a:rPr lang="ko-KR" altLang="en-US" smtClean="0"/>
-              <a:t>2023-05-10</a:t>
+              <a:t>2023-07-05</a:t>
             </a:fld>
             <a:endParaRPr lang="ko-KR" altLang="en-US"/>
           </a:p>
@@ -1054,7 +1491,7 @@
           <a:p>
             <a:fld id="{1B31F98E-C47E-4CA9-AF61-CC16F78FD47B}" type="datetimeFigureOut">
               <a:rPr lang="ko-KR" altLang="en-US" smtClean="0"/>
-              <a:t>2023-05-10</a:t>
+              <a:t>2023-07-05</a:t>
             </a:fld>
             <a:endParaRPr lang="ko-KR" altLang="en-US"/>
           </a:p>
@@ -1342,7 +1779,7 @@
           <a:p>
             <a:fld id="{1B31F98E-C47E-4CA9-AF61-CC16F78FD47B}" type="datetimeFigureOut">
               <a:rPr lang="ko-KR" altLang="en-US" smtClean="0"/>
-              <a:t>2023-05-10</a:t>
+              <a:t>2023-07-05</a:t>
             </a:fld>
             <a:endParaRPr lang="ko-KR" altLang="en-US"/>
           </a:p>
@@ -1764,7 +2201,7 @@
           <a:p>
             <a:fld id="{1B31F98E-C47E-4CA9-AF61-CC16F78FD47B}" type="datetimeFigureOut">
               <a:rPr lang="ko-KR" altLang="en-US" smtClean="0"/>
-              <a:t>2023-05-10</a:t>
+              <a:t>2023-07-05</a:t>
             </a:fld>
             <a:endParaRPr lang="ko-KR" altLang="en-US"/>
           </a:p>
@@ -1882,7 +2319,7 @@
           <a:p>
             <a:fld id="{1B31F98E-C47E-4CA9-AF61-CC16F78FD47B}" type="datetimeFigureOut">
               <a:rPr lang="ko-KR" altLang="en-US" smtClean="0"/>
-              <a:t>2023-05-10</a:t>
+              <a:t>2023-07-05</a:t>
             </a:fld>
             <a:endParaRPr lang="ko-KR" altLang="en-US"/>
           </a:p>
@@ -1977,7 +2414,7 @@
           <a:p>
             <a:fld id="{1B31F98E-C47E-4CA9-AF61-CC16F78FD47B}" type="datetimeFigureOut">
               <a:rPr lang="ko-KR" altLang="en-US" smtClean="0"/>
-              <a:t>2023-05-10</a:t>
+              <a:t>2023-07-05</a:t>
             </a:fld>
             <a:endParaRPr lang="ko-KR" altLang="en-US"/>
           </a:p>
@@ -2254,7 +2691,7 @@
           <a:p>
             <a:fld id="{1B31F98E-C47E-4CA9-AF61-CC16F78FD47B}" type="datetimeFigureOut">
               <a:rPr lang="ko-KR" altLang="en-US" smtClean="0"/>
-              <a:t>2023-05-10</a:t>
+              <a:t>2023-07-05</a:t>
             </a:fld>
             <a:endParaRPr lang="ko-KR" altLang="en-US"/>
           </a:p>
@@ -2507,7 +2944,7 @@
           <a:p>
             <a:fld id="{1B31F98E-C47E-4CA9-AF61-CC16F78FD47B}" type="datetimeFigureOut">
               <a:rPr lang="ko-KR" altLang="en-US" smtClean="0"/>
-              <a:t>2023-05-10</a:t>
+              <a:t>2023-07-05</a:t>
             </a:fld>
             <a:endParaRPr lang="ko-KR" altLang="en-US"/>
           </a:p>
@@ -2720,7 +3157,7 @@
           <a:p>
             <a:fld id="{1B31F98E-C47E-4CA9-AF61-CC16F78FD47B}" type="datetimeFigureOut">
               <a:rPr lang="ko-KR" altLang="en-US" smtClean="0"/>
-              <a:t>2023-05-10</a:t>
+              <a:t>2023-07-05</a:t>
             </a:fld>
             <a:endParaRPr lang="ko-KR" altLang="en-US"/>
           </a:p>
@@ -3104,47 +3541,6 @@
           <p:nvPr/>
         </p:nvPicPr>
         <p:blipFill>
-          <a:blip r:embed="rId2" cstate="print">
-            <a:extLst>
-              <a:ext uri="{28A0092B-C50C-407E-A947-70E740481C1C}">
-                <a14:useLocalDpi xmlns:a14="http://schemas.microsoft.com/office/drawing/2010/main" val="0"/>
-              </a:ext>
-            </a:extLst>
-          </a:blip>
-          <a:srcRect/>
-          <a:stretch>
-            <a:fillRect/>
-          </a:stretch>
-        </p:blipFill>
-        <p:spPr bwMode="auto">
-          <a:xfrm>
-            <a:off x="5044657" y="3095702"/>
-            <a:ext cx="1848863" cy="1684452"/>
-          </a:xfrm>
-          <a:prstGeom prst="rect">
-            <a:avLst/>
-          </a:prstGeom>
-          <a:noFill/>
-          <a:extLst>
-            <a:ext uri="{909E8E84-426E-40DD-AFC4-6F175D3DCCD1}">
-              <a14:hiddenFill xmlns:a14="http://schemas.microsoft.com/office/drawing/2010/main">
-                <a:solidFill>
-                  <a:srgbClr val="FFFFFF"/>
-                </a:solidFill>
-              </a14:hiddenFill>
-            </a:ext>
-          </a:extLst>
-        </p:spPr>
-      </p:pic>
-      <p:pic>
-        <p:nvPicPr>
-          <p:cNvPr id="1027" name="Picture 3" descr="C:\Users\user\Desktop\렌더링.png"/>
-          <p:cNvPicPr>
-            <a:picLocks noChangeAspect="1" noChangeArrowheads="1"/>
-          </p:cNvPicPr>
-          <p:nvPr/>
-        </p:nvPicPr>
-        <p:blipFill>
           <a:blip r:embed="rId3" cstate="print">
             <a:extLst>
               <a:ext uri="{28A0092B-C50C-407E-A947-70E740481C1C}">
@@ -3159,49 +3555,8 @@
         </p:blipFill>
         <p:spPr bwMode="auto">
           <a:xfrm>
-            <a:off x="366281" y="3055317"/>
-            <a:ext cx="1743018" cy="1833132"/>
-          </a:xfrm>
-          <a:prstGeom prst="rect">
-            <a:avLst/>
-          </a:prstGeom>
-          <a:noFill/>
-          <a:extLst>
-            <a:ext uri="{909E8E84-426E-40DD-AFC4-6F175D3DCCD1}">
-              <a14:hiddenFill xmlns:a14="http://schemas.microsoft.com/office/drawing/2010/main">
-                <a:solidFill>
-                  <a:srgbClr val="FFFFFF"/>
-                </a:solidFill>
-              </a14:hiddenFill>
-            </a:ext>
-          </a:extLst>
-        </p:spPr>
-      </p:pic>
-      <p:pic>
-        <p:nvPicPr>
-          <p:cNvPr id="1028" name="Picture 4" descr="C:\Users\user\Desktop\모델링.png"/>
-          <p:cNvPicPr>
-            <a:picLocks noChangeAspect="1" noChangeArrowheads="1"/>
-          </p:cNvPicPr>
-          <p:nvPr/>
-        </p:nvPicPr>
-        <p:blipFill>
-          <a:blip r:embed="rId4" cstate="print">
-            <a:extLst>
-              <a:ext uri="{28A0092B-C50C-407E-A947-70E740481C1C}">
-                <a14:useLocalDpi xmlns:a14="http://schemas.microsoft.com/office/drawing/2010/main" val="0"/>
-              </a:ext>
-            </a:extLst>
-          </a:blip>
-          <a:srcRect/>
-          <a:stretch>
-            <a:fillRect/>
-          </a:stretch>
-        </p:blipFill>
-        <p:spPr bwMode="auto">
-          <a:xfrm>
-            <a:off x="-1369883" y="-786347"/>
-            <a:ext cx="1736164" cy="1613860"/>
+            <a:off x="5172284" y="5672008"/>
+            <a:ext cx="1848863" cy="1684452"/>
           </a:xfrm>
           <a:prstGeom prst="rect">
             <a:avLst/>
@@ -3227,7 +3582,7 @@
           <p:nvPr/>
         </p:nvPicPr>
         <p:blipFill>
-          <a:blip r:embed="rId5" cstate="print">
+          <a:blip r:embed="rId4" cstate="print">
             <a:extLst>
               <a:ext uri="{28A0092B-C50C-407E-A947-70E740481C1C}">
                 <a14:useLocalDpi xmlns:a14="http://schemas.microsoft.com/office/drawing/2010/main" val="0"/>
@@ -3241,7 +3596,7 @@
         </p:blipFill>
         <p:spPr bwMode="auto">
           <a:xfrm>
-            <a:off x="12910667" y="3247499"/>
+            <a:off x="-2774003" y="5599134"/>
             <a:ext cx="1757326" cy="1757326"/>
           </a:xfrm>
           <a:prstGeom prst="rect">
@@ -3268,7 +3623,7 @@
           <p:nvPr/>
         </p:nvPicPr>
         <p:blipFill>
-          <a:blip r:embed="rId6" cstate="print">
+          <a:blip r:embed="rId5" cstate="print">
             <a:extLst>
               <a:ext uri="{28A0092B-C50C-407E-A947-70E740481C1C}">
                 <a14:useLocalDpi xmlns:a14="http://schemas.microsoft.com/office/drawing/2010/main" val="0"/>
@@ -3282,7 +3637,7 @@
         </p:blipFill>
         <p:spPr bwMode="auto">
           <a:xfrm>
-            <a:off x="6750132" y="-735623"/>
+            <a:off x="9180650" y="5707589"/>
             <a:ext cx="1584176" cy="1584176"/>
           </a:xfrm>
           <a:prstGeom prst="rect">
@@ -3309,7 +3664,7 @@
           <p:nvPr/>
         </p:nvPicPr>
         <p:blipFill>
-          <a:blip r:embed="rId7" cstate="print">
+          <a:blip r:embed="rId6" cstate="print">
             <a:extLst>
               <a:ext uri="{28A0092B-C50C-407E-A947-70E740481C1C}">
                 <a14:useLocalDpi xmlns:a14="http://schemas.microsoft.com/office/drawing/2010/main" val="0"/>
@@ -3323,7 +3678,7 @@
         </p:blipFill>
         <p:spPr bwMode="auto">
           <a:xfrm>
-            <a:off x="9010794" y="3096065"/>
+            <a:off x="1317009" y="5543606"/>
             <a:ext cx="1872208" cy="1994336"/>
           </a:xfrm>
           <a:prstGeom prst="rect">
@@ -3341,56 +3696,175 @@
           </a:extLst>
         </p:spPr>
       </p:pic>
-      <p:pic>
-        <p:nvPicPr>
-          <p:cNvPr id="12" name="Picture 7" descr="C:\Users\user\Desktop\db.png"/>
-          <p:cNvPicPr>
-            <a:picLocks noChangeAspect="1" noChangeArrowheads="1"/>
-          </p:cNvPicPr>
+      <p:sp>
+        <p:nvSpPr>
+          <p:cNvPr id="23" name="직사각형 22"/>
+          <p:cNvSpPr/>
           <p:nvPr/>
-        </p:nvPicPr>
-        <p:blipFill>
-          <a:blip r:embed="rId8" cstate="print">
-            <a:extLst>
-              <a:ext uri="{28A0092B-C50C-407E-A947-70E740481C1C}">
-                <a14:useLocalDpi xmlns:a14="http://schemas.microsoft.com/office/drawing/2010/main" val="0"/>
-              </a:ext>
-            </a:extLst>
-          </a:blip>
-          <a:srcRect/>
-          <a:stretch>
-            <a:fillRect/>
-          </a:stretch>
-        </p:blipFill>
-        <p:spPr bwMode="auto">
+        </p:nvSpPr>
+        <p:spPr>
           <a:xfrm>
-            <a:off x="2418974" y="-820832"/>
-            <a:ext cx="1754594" cy="1754594"/>
+            <a:off x="9406742" y="5119378"/>
+            <a:ext cx="1429953" cy="448872"/>
           </a:xfrm>
           <a:prstGeom prst="rect">
             <a:avLst/>
           </a:prstGeom>
-          <a:noFill/>
-          <a:extLst>
-            <a:ext uri="{909E8E84-426E-40DD-AFC4-6F175D3DCCD1}">
-              <a14:hiddenFill xmlns:a14="http://schemas.microsoft.com/office/drawing/2010/main">
+          <a:solidFill>
+            <a:schemeClr val="bg1"/>
+          </a:solidFill>
+          <a:ln>
+            <a:solidFill>
+              <a:schemeClr val="tx1"/>
+            </a:solidFill>
+          </a:ln>
+        </p:spPr>
+        <p:style>
+          <a:lnRef idx="2">
+            <a:schemeClr val="accent1">
+              <a:shade val="50000"/>
+            </a:schemeClr>
+          </a:lnRef>
+          <a:fillRef idx="1">
+            <a:schemeClr val="accent1"/>
+          </a:fillRef>
+          <a:effectRef idx="0">
+            <a:schemeClr val="accent1"/>
+          </a:effectRef>
+          <a:fontRef idx="minor">
+            <a:schemeClr val="lt1"/>
+          </a:fontRef>
+        </p:style>
+        <p:txBody>
+          <a:bodyPr rtlCol="0" anchor="ctr"/>
+          <a:lstStyle/>
+          <a:p>
+            <a:pPr algn="ctr"/>
+            <a:r>
+              <a:rPr lang="en-US" altLang="ko-KR" b="1" dirty="0" smtClean="0">
                 <a:solidFill>
-                  <a:srgbClr val="FFFFFF"/>
+                  <a:schemeClr val="tx1"/>
                 </a:solidFill>
-              </a14:hiddenFill>
-            </a:ext>
-          </a:extLst>
-        </p:spPr>
-      </p:pic>
-      <p:sp>
-        <p:nvSpPr>
-          <p:cNvPr id="18" name="직사각형 17"/>
+              </a:rPr>
+              <a:t>AI(</a:t>
+            </a:r>
+            <a:r>
+              <a:rPr lang="en-US" altLang="ko-KR" b="1" dirty="0" smtClean="0">
+                <a:solidFill>
+                  <a:schemeClr val="tx1"/>
+                </a:solidFill>
+              </a:rPr>
+              <a:t>PFAFN</a:t>
+            </a:r>
+            <a:r>
+              <a:rPr lang="en-US" altLang="ko-KR" b="1" dirty="0" smtClean="0">
+                <a:solidFill>
+                  <a:schemeClr val="tx1"/>
+                </a:solidFill>
+              </a:rPr>
+              <a:t>)</a:t>
+            </a:r>
+            <a:endParaRPr lang="ko-KR" altLang="en-US" b="1" dirty="0">
+              <a:solidFill>
+                <a:schemeClr val="tx1"/>
+              </a:solidFill>
+            </a:endParaRPr>
+          </a:p>
+        </p:txBody>
+      </p:sp>
+      <p:sp>
+        <p:nvSpPr>
+          <p:cNvPr id="55" name="직사각형 54"/>
           <p:cNvSpPr/>
           <p:nvPr/>
         </p:nvSpPr>
         <p:spPr>
           <a:xfrm>
-            <a:off x="2500332" y="-1323834"/>
+            <a:off x="5219929" y="5039919"/>
+            <a:ext cx="1819309" cy="448872"/>
+          </a:xfrm>
+          <a:prstGeom prst="rect">
+            <a:avLst/>
+          </a:prstGeom>
+          <a:solidFill>
+            <a:schemeClr val="bg1"/>
+          </a:solidFill>
+          <a:ln>
+            <a:solidFill>
+              <a:schemeClr val="tx1"/>
+            </a:solidFill>
+          </a:ln>
+        </p:spPr>
+        <p:style>
+          <a:lnRef idx="2">
+            <a:schemeClr val="accent1">
+              <a:shade val="50000"/>
+            </a:schemeClr>
+          </a:lnRef>
+          <a:fillRef idx="1">
+            <a:schemeClr val="accent1"/>
+          </a:fillRef>
+          <a:effectRef idx="0">
+            <a:schemeClr val="accent1"/>
+          </a:effectRef>
+          <a:fontRef idx="minor">
+            <a:schemeClr val="lt1"/>
+          </a:fontRef>
+        </p:style>
+        <p:txBody>
+          <a:bodyPr rtlCol="0" anchor="ctr"/>
+          <a:lstStyle/>
+          <a:p>
+            <a:pPr algn="ctr"/>
+            <a:r>
+              <a:rPr lang="ko-KR" altLang="en-US" b="1" dirty="0" err="1" smtClean="0">
+                <a:solidFill>
+                  <a:schemeClr val="tx1"/>
+                </a:solidFill>
+              </a:rPr>
+              <a:t>백엔드</a:t>
+            </a:r>
+            <a:r>
+              <a:rPr lang="en-US" altLang="ko-KR" b="1" dirty="0" smtClean="0">
+                <a:solidFill>
+                  <a:schemeClr val="tx1"/>
+                </a:solidFill>
+              </a:rPr>
+              <a:t>(</a:t>
+            </a:r>
+            <a:r>
+              <a:rPr lang="en-US" altLang="ko-KR" b="1" dirty="0" smtClean="0">
+                <a:solidFill>
+                  <a:schemeClr val="tx1"/>
+                </a:solidFill>
+              </a:rPr>
+              <a:t>Spring</a:t>
+            </a:r>
+            <a:r>
+              <a:rPr lang="en-US" altLang="ko-KR" b="1" dirty="0" smtClean="0">
+                <a:solidFill>
+                  <a:schemeClr val="tx1"/>
+                </a:solidFill>
+              </a:rPr>
+              <a:t>)</a:t>
+            </a:r>
+            <a:endParaRPr lang="ko-KR" altLang="en-US" b="1" dirty="0">
+              <a:solidFill>
+                <a:schemeClr val="tx1"/>
+              </a:solidFill>
+            </a:endParaRPr>
+          </a:p>
+        </p:txBody>
+      </p:sp>
+      <p:sp>
+        <p:nvSpPr>
+          <p:cNvPr id="57" name="직사각형 56"/>
+          <p:cNvSpPr/>
+          <p:nvPr/>
+        </p:nvSpPr>
+        <p:spPr>
+          <a:xfrm>
+            <a:off x="1399115" y="5039919"/>
             <a:ext cx="1591878" cy="448872"/>
           </a:xfrm>
           <a:prstGeom prst="rect">
@@ -3427,75 +3901,12 @@
           <a:p>
             <a:pPr algn="ctr"/>
             <a:r>
-              <a:rPr lang="ko-KR" altLang="en-US" b="1" dirty="0" smtClean="0">
-                <a:solidFill>
-                  <a:schemeClr val="tx1"/>
-                </a:solidFill>
-              </a:rPr>
-              <a:t>데이터베이</a:t>
-            </a:r>
-            <a:r>
-              <a:rPr lang="ko-KR" altLang="en-US" b="1" dirty="0">
-                <a:solidFill>
-                  <a:schemeClr val="tx1"/>
-                </a:solidFill>
-              </a:rPr>
-              <a:t>스</a:t>
-            </a:r>
-          </a:p>
-        </p:txBody>
-      </p:sp>
-      <p:sp>
-        <p:nvSpPr>
-          <p:cNvPr id="23" name="직사각형 22"/>
-          <p:cNvSpPr/>
-          <p:nvPr/>
-        </p:nvSpPr>
-        <p:spPr>
-          <a:xfrm>
-            <a:off x="6976225" y="-1323834"/>
-            <a:ext cx="1131990" cy="448872"/>
-          </a:xfrm>
-          <a:prstGeom prst="rect">
-            <a:avLst/>
-          </a:prstGeom>
-          <a:solidFill>
-            <a:schemeClr val="bg1"/>
-          </a:solidFill>
-          <a:ln>
-            <a:solidFill>
-              <a:schemeClr val="tx1"/>
-            </a:solidFill>
-          </a:ln>
-        </p:spPr>
-        <p:style>
-          <a:lnRef idx="2">
-            <a:schemeClr val="accent1">
-              <a:shade val="50000"/>
-            </a:schemeClr>
-          </a:lnRef>
-          <a:fillRef idx="1">
-            <a:schemeClr val="accent1"/>
-          </a:fillRef>
-          <a:effectRef idx="0">
-            <a:schemeClr val="accent1"/>
-          </a:effectRef>
-          <a:fontRef idx="minor">
-            <a:schemeClr val="lt1"/>
-          </a:fontRef>
-        </p:style>
-        <p:txBody>
-          <a:bodyPr rtlCol="0" anchor="ctr"/>
-          <a:lstStyle/>
-          <a:p>
-            <a:pPr algn="ctr"/>
-            <a:r>
               <a:rPr lang="en-US" altLang="ko-KR" b="1" dirty="0" smtClean="0">
                 <a:solidFill>
                   <a:schemeClr val="tx1"/>
                 </a:solidFill>
               </a:rPr>
-              <a:t>AI(GAN)</a:t>
+              <a:t>SPA(Angular)</a:t>
             </a:r>
             <a:endParaRPr lang="ko-KR" altLang="en-US" b="1" dirty="0">
               <a:solidFill>
@@ -3507,141 +3918,13 @@
       </p:sp>
       <p:sp>
         <p:nvSpPr>
-          <p:cNvPr id="33" name="직사각형 32"/>
+          <p:cNvPr id="66" name="직사각형 65"/>
           <p:cNvSpPr/>
           <p:nvPr/>
         </p:nvSpPr>
         <p:spPr>
           <a:xfrm>
-            <a:off x="-1021465" y="-1323834"/>
-            <a:ext cx="998300" cy="448872"/>
-          </a:xfrm>
-          <a:prstGeom prst="rect">
-            <a:avLst/>
-          </a:prstGeom>
-          <a:solidFill>
-            <a:schemeClr val="bg1"/>
-          </a:solidFill>
-          <a:ln>
-            <a:solidFill>
-              <a:schemeClr val="tx1"/>
-            </a:solidFill>
-          </a:ln>
-        </p:spPr>
-        <p:style>
-          <a:lnRef idx="2">
-            <a:schemeClr val="accent1">
-              <a:shade val="50000"/>
-            </a:schemeClr>
-          </a:lnRef>
-          <a:fillRef idx="1">
-            <a:schemeClr val="accent1"/>
-          </a:fillRef>
-          <a:effectRef idx="0">
-            <a:schemeClr val="accent1"/>
-          </a:effectRef>
-          <a:fontRef idx="minor">
-            <a:schemeClr val="lt1"/>
-          </a:fontRef>
-        </p:style>
-        <p:txBody>
-          <a:bodyPr rtlCol="0" anchor="ctr"/>
-          <a:lstStyle/>
-          <a:p>
-            <a:pPr algn="ctr"/>
-            <a:r>
-              <a:rPr lang="ko-KR" altLang="en-US" b="1" dirty="0" smtClean="0">
-                <a:solidFill>
-                  <a:schemeClr val="tx1"/>
-                </a:solidFill>
-              </a:rPr>
-              <a:t>모델링</a:t>
-            </a:r>
-            <a:endParaRPr lang="ko-KR" altLang="en-US" b="1" dirty="0">
-              <a:solidFill>
-                <a:schemeClr val="tx1"/>
-              </a:solidFill>
-            </a:endParaRPr>
-          </a:p>
-        </p:txBody>
-      </p:sp>
-      <p:sp>
-        <p:nvSpPr>
-          <p:cNvPr id="42" name="직사각형 41"/>
-          <p:cNvSpPr/>
-          <p:nvPr/>
-        </p:nvSpPr>
-        <p:spPr>
-          <a:xfrm>
-            <a:off x="240844" y="2625327"/>
-            <a:ext cx="1993892" cy="448872"/>
-          </a:xfrm>
-          <a:prstGeom prst="rect">
-            <a:avLst/>
-          </a:prstGeom>
-          <a:solidFill>
-            <a:schemeClr val="bg1"/>
-          </a:solidFill>
-          <a:ln>
-            <a:solidFill>
-              <a:schemeClr val="tx1"/>
-            </a:solidFill>
-          </a:ln>
-        </p:spPr>
-        <p:style>
-          <a:lnRef idx="2">
-            <a:schemeClr val="accent1">
-              <a:shade val="50000"/>
-            </a:schemeClr>
-          </a:lnRef>
-          <a:fillRef idx="1">
-            <a:schemeClr val="accent1"/>
-          </a:fillRef>
-          <a:effectRef idx="0">
-            <a:schemeClr val="accent1"/>
-          </a:effectRef>
-          <a:fontRef idx="minor">
-            <a:schemeClr val="lt1"/>
-          </a:fontRef>
-        </p:style>
-        <p:txBody>
-          <a:bodyPr rtlCol="0" anchor="ctr"/>
-          <a:lstStyle/>
-          <a:p>
-            <a:pPr algn="ctr"/>
-            <a:r>
-              <a:rPr lang="ko-KR" altLang="en-US" b="1" dirty="0" err="1" smtClean="0">
-                <a:solidFill>
-                  <a:schemeClr val="tx1"/>
-                </a:solidFill>
-              </a:rPr>
-              <a:t>렌더러</a:t>
-            </a:r>
-            <a:r>
-              <a:rPr lang="en-US" altLang="ko-KR" b="1" dirty="0" smtClean="0">
-                <a:solidFill>
-                  <a:schemeClr val="tx1"/>
-                </a:solidFill>
-              </a:rPr>
-              <a:t>(Three.js)</a:t>
-            </a:r>
-            <a:endParaRPr lang="ko-KR" altLang="en-US" b="1" dirty="0">
-              <a:solidFill>
-                <a:schemeClr val="tx1"/>
-              </a:solidFill>
-            </a:endParaRPr>
-          </a:p>
-        </p:txBody>
-      </p:sp>
-      <p:sp>
-        <p:nvSpPr>
-          <p:cNvPr id="55" name="직사각형 54"/>
-          <p:cNvSpPr/>
-          <p:nvPr/>
-        </p:nvSpPr>
-        <p:spPr>
-          <a:xfrm>
-            <a:off x="5249586" y="2548940"/>
+            <a:off x="-2691279" y="5039843"/>
             <a:ext cx="1591878" cy="448872"/>
           </a:xfrm>
           <a:prstGeom prst="rect">
@@ -3678,126 +3961,6 @@
           <a:p>
             <a:pPr algn="ctr"/>
             <a:r>
-              <a:rPr lang="ko-KR" altLang="en-US" b="1" dirty="0" err="1" smtClean="0">
-                <a:solidFill>
-                  <a:schemeClr val="tx1"/>
-                </a:solidFill>
-              </a:rPr>
-              <a:t>백엔드</a:t>
-            </a:r>
-            <a:endParaRPr lang="ko-KR" altLang="en-US" b="1" dirty="0">
-              <a:solidFill>
-                <a:schemeClr val="tx1"/>
-              </a:solidFill>
-            </a:endParaRPr>
-          </a:p>
-        </p:txBody>
-      </p:sp>
-      <p:sp>
-        <p:nvSpPr>
-          <p:cNvPr id="57" name="직사각형 56"/>
-          <p:cNvSpPr/>
-          <p:nvPr/>
-        </p:nvSpPr>
-        <p:spPr>
-          <a:xfrm>
-            <a:off x="9092900" y="2592378"/>
-            <a:ext cx="1591878" cy="448872"/>
-          </a:xfrm>
-          <a:prstGeom prst="rect">
-            <a:avLst/>
-          </a:prstGeom>
-          <a:solidFill>
-            <a:schemeClr val="bg1"/>
-          </a:solidFill>
-          <a:ln>
-            <a:solidFill>
-              <a:schemeClr val="tx1"/>
-            </a:solidFill>
-          </a:ln>
-        </p:spPr>
-        <p:style>
-          <a:lnRef idx="2">
-            <a:schemeClr val="accent1">
-              <a:shade val="50000"/>
-            </a:schemeClr>
-          </a:lnRef>
-          <a:fillRef idx="1">
-            <a:schemeClr val="accent1"/>
-          </a:fillRef>
-          <a:effectRef idx="0">
-            <a:schemeClr val="accent1"/>
-          </a:effectRef>
-          <a:fontRef idx="minor">
-            <a:schemeClr val="lt1"/>
-          </a:fontRef>
-        </p:style>
-        <p:txBody>
-          <a:bodyPr rtlCol="0" anchor="ctr"/>
-          <a:lstStyle/>
-          <a:p>
-            <a:pPr algn="ctr"/>
-            <a:r>
-              <a:rPr lang="en-US" altLang="ko-KR" b="1" dirty="0" smtClean="0">
-                <a:solidFill>
-                  <a:schemeClr val="tx1"/>
-                </a:solidFill>
-              </a:rPr>
-              <a:t>SPA</a:t>
-            </a:r>
-            <a:endParaRPr lang="ko-KR" altLang="en-US" b="1" dirty="0">
-              <a:solidFill>
-                <a:schemeClr val="tx1"/>
-              </a:solidFill>
-            </a:endParaRPr>
-          </a:p>
-        </p:txBody>
-      </p:sp>
-      <p:sp>
-        <p:nvSpPr>
-          <p:cNvPr id="66" name="직사각형 65"/>
-          <p:cNvSpPr/>
-          <p:nvPr/>
-        </p:nvSpPr>
-        <p:spPr>
-          <a:xfrm>
-            <a:off x="12993391" y="2688208"/>
-            <a:ext cx="1591878" cy="448872"/>
-          </a:xfrm>
-          <a:prstGeom prst="rect">
-            <a:avLst/>
-          </a:prstGeom>
-          <a:solidFill>
-            <a:schemeClr val="bg1"/>
-          </a:solidFill>
-          <a:ln>
-            <a:solidFill>
-              <a:schemeClr val="tx1"/>
-            </a:solidFill>
-          </a:ln>
-        </p:spPr>
-        <p:style>
-          <a:lnRef idx="2">
-            <a:schemeClr val="accent1">
-              <a:shade val="50000"/>
-            </a:schemeClr>
-          </a:lnRef>
-          <a:fillRef idx="1">
-            <a:schemeClr val="accent1"/>
-          </a:fillRef>
-          <a:effectRef idx="0">
-            <a:schemeClr val="accent1"/>
-          </a:effectRef>
-          <a:fontRef idx="minor">
-            <a:schemeClr val="lt1"/>
-          </a:fontRef>
-        </p:style>
-        <p:txBody>
-          <a:bodyPr rtlCol="0" anchor="ctr"/>
-          <a:lstStyle/>
-          <a:p>
-            <a:pPr algn="ctr"/>
-            <a:r>
               <a:rPr lang="ko-KR" altLang="en-US" b="1" dirty="0" smtClean="0">
                 <a:solidFill>
                   <a:schemeClr val="tx1"/>
@@ -3815,13 +3978,13 @@
       </p:sp>
       <p:sp>
         <p:nvSpPr>
-          <p:cNvPr id="3" name="오른쪽 화살표 2"/>
+          <p:cNvPr id="25" name="오른쪽 화살표 24"/>
           <p:cNvSpPr/>
           <p:nvPr/>
         </p:nvSpPr>
         <p:spPr>
-          <a:xfrm>
-            <a:off x="475984" y="-391206"/>
+          <a:xfrm rot="10800000">
+            <a:off x="-738992" y="6362036"/>
             <a:ext cx="1719751" cy="865658"/>
           </a:xfrm>
           <a:prstGeom prst="rightArrow">
@@ -3860,22 +4023,6 @@
           <a:lstStyle/>
           <a:p>
             <a:pPr algn="ctr"/>
-            <a:r>
-              <a:rPr lang="en-US" altLang="ko-KR" b="1" dirty="0" smtClean="0">
-                <a:solidFill>
-                  <a:schemeClr val="tx1"/>
-                </a:solidFill>
-              </a:rPr>
-              <a:t>3D </a:t>
-            </a:r>
-            <a:r>
-              <a:rPr lang="ko-KR" altLang="en-US" b="1" dirty="0" smtClean="0">
-                <a:solidFill>
-                  <a:schemeClr val="tx1"/>
-                </a:solidFill>
-              </a:rPr>
-              <a:t>모델</a:t>
-            </a:r>
             <a:endParaRPr lang="ko-KR" altLang="en-US" b="1" dirty="0">
               <a:solidFill>
                 <a:schemeClr val="tx1"/>
@@ -3886,13 +4033,68 @@
       </p:sp>
       <p:sp>
         <p:nvSpPr>
-          <p:cNvPr id="69" name="오른쪽 화살표 68"/>
+          <p:cNvPr id="26" name="왼쪽 화살표 25"/>
           <p:cNvSpPr/>
           <p:nvPr/>
         </p:nvSpPr>
         <p:spPr>
-          <a:xfrm>
-            <a:off x="4499991" y="-824035"/>
+          <a:xfrm rot="10800000">
+            <a:off x="-713476" y="5502858"/>
+            <a:ext cx="1719751" cy="899909"/>
+          </a:xfrm>
+          <a:prstGeom prst="leftArrow">
+            <a:avLst>
+              <a:gd name="adj1" fmla="val 55645"/>
+              <a:gd name="adj2" fmla="val 50000"/>
+            </a:avLst>
+          </a:prstGeom>
+          <a:solidFill>
+            <a:schemeClr val="bg1"/>
+          </a:solidFill>
+          <a:ln>
+            <a:solidFill>
+              <a:schemeClr val="tx1"/>
+            </a:solidFill>
+          </a:ln>
+        </p:spPr>
+        <p:style>
+          <a:lnRef idx="2">
+            <a:schemeClr val="accent1">
+              <a:shade val="50000"/>
+            </a:schemeClr>
+          </a:lnRef>
+          <a:fillRef idx="1">
+            <a:schemeClr val="accent1"/>
+          </a:fillRef>
+          <a:effectRef idx="0">
+            <a:schemeClr val="accent1"/>
+          </a:effectRef>
+          <a:fontRef idx="minor">
+            <a:schemeClr val="lt1"/>
+          </a:fontRef>
+        </p:style>
+        <p:txBody>
+          <a:bodyPr rtlCol="0" anchor="ctr"/>
+          <a:lstStyle/>
+          <a:p>
+            <a:pPr algn="ctr"/>
+            <a:endParaRPr lang="ko-KR" altLang="en-US" b="1" dirty="0">
+              <a:solidFill>
+                <a:schemeClr val="tx1"/>
+              </a:solidFill>
+            </a:endParaRPr>
+          </a:p>
+        </p:txBody>
+      </p:sp>
+      <p:sp>
+        <p:nvSpPr>
+          <p:cNvPr id="27" name="오른쪽 화살표 26"/>
+          <p:cNvSpPr/>
+          <p:nvPr/>
+        </p:nvSpPr>
+        <p:spPr>
+          <a:xfrm rot="10800000">
+            <a:off x="3376097" y="6381015"/>
             <a:ext cx="1719751" cy="865658"/>
           </a:xfrm>
           <a:prstGeom prst="rightArrow">
@@ -3931,14 +4133,6 @@
           <a:lstStyle/>
           <a:p>
             <a:pPr algn="ctr"/>
-            <a:r>
-              <a:rPr lang="ko-KR" altLang="en-US" b="1" dirty="0" smtClean="0">
-                <a:solidFill>
-                  <a:schemeClr val="tx1"/>
-                </a:solidFill>
-              </a:rPr>
-              <a:t>사진 이미지</a:t>
-            </a:r>
             <a:endParaRPr lang="ko-KR" altLang="en-US" b="1" dirty="0">
               <a:solidFill>
                 <a:schemeClr val="tx1"/>
@@ -3949,13 +4143,13 @@
       </p:sp>
       <p:sp>
         <p:nvSpPr>
-          <p:cNvPr id="8" name="왼쪽 화살표 7"/>
+          <p:cNvPr id="28" name="왼쪽 화살표 27"/>
           <p:cNvSpPr/>
           <p:nvPr/>
         </p:nvSpPr>
         <p:spPr>
-          <a:xfrm>
-            <a:off x="4499991" y="7039"/>
+          <a:xfrm rot="10800000">
+            <a:off x="3346100" y="5488791"/>
             <a:ext cx="1719751" cy="899909"/>
           </a:xfrm>
           <a:prstGeom prst="leftArrow">
@@ -3994,22 +4188,6 @@
           <a:lstStyle/>
           <a:p>
             <a:pPr algn="ctr"/>
-            <a:r>
-              <a:rPr lang="en-US" altLang="ko-KR" b="1" dirty="0" smtClean="0">
-                <a:solidFill>
-                  <a:schemeClr val="tx1"/>
-                </a:solidFill>
-              </a:rPr>
-              <a:t>3D </a:t>
-            </a:r>
-            <a:r>
-              <a:rPr lang="ko-KR" altLang="en-US" b="1" dirty="0" smtClean="0">
-                <a:solidFill>
-                  <a:schemeClr val="tx1"/>
-                </a:solidFill>
-              </a:rPr>
-              <a:t>텍스처</a:t>
-            </a:r>
             <a:endParaRPr lang="ko-KR" altLang="en-US" b="1" dirty="0">
               <a:solidFill>
                 <a:schemeClr val="tx1"/>
@@ -4020,92 +4198,13 @@
       </p:sp>
       <p:sp>
         <p:nvSpPr>
-          <p:cNvPr id="72" name="왼쪽 화살표 71"/>
+          <p:cNvPr id="36" name="오른쪽 화살표 35"/>
           <p:cNvSpPr/>
           <p:nvPr/>
         </p:nvSpPr>
         <p:spPr>
-          <a:xfrm rot="18788206">
-            <a:off x="1000064" y="1416159"/>
-            <a:ext cx="1745416" cy="899909"/>
-          </a:xfrm>
-          <a:prstGeom prst="leftArrow">
-            <a:avLst>
-              <a:gd name="adj1" fmla="val 55645"/>
-              <a:gd name="adj2" fmla="val 50000"/>
-            </a:avLst>
-          </a:prstGeom>
-          <a:solidFill>
-            <a:schemeClr val="bg1"/>
-          </a:solidFill>
-          <a:ln>
-            <a:solidFill>
-              <a:schemeClr val="tx1"/>
-            </a:solidFill>
-          </a:ln>
-        </p:spPr>
-        <p:style>
-          <a:lnRef idx="2">
-            <a:schemeClr val="accent1">
-              <a:shade val="50000"/>
-            </a:schemeClr>
-          </a:lnRef>
-          <a:fillRef idx="1">
-            <a:schemeClr val="accent1"/>
-          </a:fillRef>
-          <a:effectRef idx="0">
-            <a:schemeClr val="accent1"/>
-          </a:effectRef>
-          <a:fontRef idx="minor">
-            <a:schemeClr val="lt1"/>
-          </a:fontRef>
-        </p:style>
-        <p:txBody>
-          <a:bodyPr rtlCol="0" anchor="ctr"/>
-          <a:lstStyle/>
-          <a:p>
-            <a:pPr algn="ctr"/>
-            <a:r>
-              <a:rPr lang="ko-KR" altLang="en-US" b="1" dirty="0" smtClean="0">
-                <a:solidFill>
-                  <a:schemeClr val="tx1"/>
-                </a:solidFill>
-              </a:rPr>
-              <a:t>텍스처</a:t>
-            </a:r>
-            <a:r>
-              <a:rPr lang="en-US" altLang="ko-KR" b="1" dirty="0">
-                <a:solidFill>
-                  <a:schemeClr val="tx1"/>
-                </a:solidFill>
-              </a:rPr>
-              <a:t>,</a:t>
-            </a:r>
-            <a:r>
-              <a:rPr lang="ko-KR" altLang="en-US" b="1" dirty="0" smtClean="0">
-                <a:solidFill>
-                  <a:schemeClr val="tx1"/>
-                </a:solidFill>
-              </a:rPr>
-              <a:t>모델</a:t>
-            </a:r>
-            <a:endParaRPr lang="ko-KR" altLang="en-US" b="1" dirty="0">
-              <a:solidFill>
-                <a:schemeClr val="tx1"/>
-              </a:solidFill>
-            </a:endParaRPr>
-          </a:p>
-        </p:txBody>
-      </p:sp>
-      <p:sp>
-        <p:nvSpPr>
-          <p:cNvPr id="73" name="오른쪽 화살표 72"/>
-          <p:cNvSpPr/>
-          <p:nvPr/>
-        </p:nvSpPr>
-        <p:spPr>
-          <a:xfrm>
-            <a:off x="2627784" y="3380475"/>
+          <a:xfrm rot="10800000">
+            <a:off x="7355936" y="6408116"/>
             <a:ext cx="1719751" cy="865658"/>
           </a:xfrm>
           <a:prstGeom prst="rightArrow">
@@ -4144,22 +4243,6 @@
           <a:lstStyle/>
           <a:p>
             <a:pPr algn="ctr"/>
-            <a:r>
-              <a:rPr lang="en-US" altLang="ko-KR" b="1" dirty="0" smtClean="0">
-                <a:solidFill>
-                  <a:schemeClr val="tx1"/>
-                </a:solidFill>
-              </a:rPr>
-              <a:t>3D </a:t>
-            </a:r>
-            <a:r>
-              <a:rPr lang="ko-KR" altLang="en-US" b="1" dirty="0" smtClean="0">
-                <a:solidFill>
-                  <a:schemeClr val="tx1"/>
-                </a:solidFill>
-              </a:rPr>
-              <a:t>화면</a:t>
-            </a:r>
             <a:endParaRPr lang="ko-KR" altLang="en-US" b="1" dirty="0">
               <a:solidFill>
                 <a:schemeClr val="tx1"/>
@@ -4170,13 +4253,109 @@
       </p:sp>
       <p:sp>
         <p:nvSpPr>
-          <p:cNvPr id="25" name="오른쪽 화살표 24"/>
+          <p:cNvPr id="41" name="왼쪽 화살표 40"/>
           <p:cNvSpPr/>
           <p:nvPr/>
         </p:nvSpPr>
         <p:spPr>
+          <a:xfrm rot="10800000">
+            <a:off x="7331344" y="5488715"/>
+            <a:ext cx="1719751" cy="899909"/>
+          </a:xfrm>
+          <a:prstGeom prst="leftArrow">
+            <a:avLst>
+              <a:gd name="adj1" fmla="val 55645"/>
+              <a:gd name="adj2" fmla="val 50000"/>
+            </a:avLst>
+          </a:prstGeom>
+          <a:solidFill>
+            <a:schemeClr val="bg1"/>
+          </a:solidFill>
+          <a:ln>
+            <a:solidFill>
+              <a:schemeClr val="tx1"/>
+            </a:solidFill>
+          </a:ln>
+        </p:spPr>
+        <p:style>
+          <a:lnRef idx="2">
+            <a:schemeClr val="accent1">
+              <a:shade val="50000"/>
+            </a:schemeClr>
+          </a:lnRef>
+          <a:fillRef idx="1">
+            <a:schemeClr val="accent1"/>
+          </a:fillRef>
+          <a:effectRef idx="0">
+            <a:schemeClr val="accent1"/>
+          </a:effectRef>
+          <a:fontRef idx="minor">
+            <a:schemeClr val="lt1"/>
+          </a:fontRef>
+        </p:style>
+        <p:txBody>
+          <a:bodyPr rtlCol="0" anchor="ctr"/>
+          <a:lstStyle/>
+          <a:p>
+            <a:pPr algn="ctr"/>
+            <a:endParaRPr lang="ko-KR" altLang="en-US" b="1" dirty="0">
+              <a:solidFill>
+                <a:schemeClr val="tx1"/>
+              </a:solidFill>
+            </a:endParaRPr>
+          </a:p>
+        </p:txBody>
+      </p:sp>
+      <p:pic>
+        <p:nvPicPr>
+          <p:cNvPr id="2" name="Picture 2" descr="C:\Users\user\Desktop\asd.png"/>
+          <p:cNvPicPr>
+            <a:picLocks noChangeAspect="1" noChangeArrowheads="1"/>
+          </p:cNvPicPr>
+          <p:nvPr/>
+        </p:nvPicPr>
+        <p:blipFill>
+          <a:blip r:embed="rId7">
+            <a:extLst>
+              <a:ext uri="{28A0092B-C50C-407E-A947-70E740481C1C}">
+                <a14:useLocalDpi xmlns:a14="http://schemas.microsoft.com/office/drawing/2010/main" val="0"/>
+              </a:ext>
+            </a:extLst>
+          </a:blip>
+          <a:srcRect/>
+          <a:stretch>
+            <a:fillRect/>
+          </a:stretch>
+        </p:blipFill>
+        <p:spPr bwMode="auto">
           <a:xfrm>
-            <a:off x="6954793" y="3914495"/>
+            <a:off x="5310048" y="836712"/>
+            <a:ext cx="1639069" cy="1639069"/>
+          </a:xfrm>
+          <a:prstGeom prst="rect">
+            <a:avLst/>
+          </a:prstGeom>
+          <a:noFill/>
+          <a:extLst>
+            <a:ext uri="{909E8E84-426E-40DD-AFC4-6F175D3DCCD1}">
+              <a14:hiddenFill xmlns:a14="http://schemas.microsoft.com/office/drawing/2010/main">
+                <a:solidFill>
+                  <a:srgbClr val="FFFFFF"/>
+                </a:solidFill>
+              </a14:hiddenFill>
+            </a:ext>
+          </a:extLst>
+        </p:spPr>
+      </p:pic>
+      <p:sp>
+        <p:nvSpPr>
+          <p:cNvPr id="47" name="오른쪽 화살표 46"/>
+          <p:cNvSpPr/>
+          <p:nvPr/>
+        </p:nvSpPr>
+        <p:spPr>
+          <a:xfrm rot="5400000">
+            <a:off x="5836950" y="3250169"/>
             <a:ext cx="1719751" cy="865658"/>
           </a:xfrm>
           <a:prstGeom prst="rightArrow">
@@ -4225,13 +4404,13 @@
       </p:sp>
       <p:sp>
         <p:nvSpPr>
-          <p:cNvPr id="26" name="왼쪽 화살표 25"/>
+          <p:cNvPr id="48" name="왼쪽 화살표 47"/>
           <p:cNvSpPr/>
           <p:nvPr/>
         </p:nvSpPr>
         <p:spPr>
-          <a:xfrm>
-            <a:off x="6980309" y="3055317"/>
+          <a:xfrm rot="5400000">
+            <a:off x="4954167" y="3217105"/>
             <a:ext cx="1719751" cy="899909"/>
           </a:xfrm>
           <a:prstGeom prst="leftArrow">
@@ -4280,234 +4459,14 @@
       </p:sp>
       <p:sp>
         <p:nvSpPr>
-          <p:cNvPr id="27" name="오른쪽 화살표 26"/>
+          <p:cNvPr id="49" name="직사각형 48"/>
           <p:cNvSpPr/>
           <p:nvPr/>
         </p:nvSpPr>
         <p:spPr>
           <a:xfrm>
-            <a:off x="11069882" y="3933474"/>
-            <a:ext cx="1719751" cy="865658"/>
-          </a:xfrm>
-          <a:prstGeom prst="rightArrow">
-            <a:avLst>
-              <a:gd name="adj1" fmla="val 57825"/>
-              <a:gd name="adj2" fmla="val 50000"/>
-            </a:avLst>
-          </a:prstGeom>
-          <a:solidFill>
-            <a:schemeClr val="bg1"/>
-          </a:solidFill>
-          <a:ln>
-            <a:solidFill>
-              <a:schemeClr val="tx1"/>
-            </a:solidFill>
-          </a:ln>
-        </p:spPr>
-        <p:style>
-          <a:lnRef idx="2">
-            <a:schemeClr val="accent1">
-              <a:shade val="50000"/>
-            </a:schemeClr>
-          </a:lnRef>
-          <a:fillRef idx="1">
-            <a:schemeClr val="accent1"/>
-          </a:fillRef>
-          <a:effectRef idx="0">
-            <a:schemeClr val="accent1"/>
-          </a:effectRef>
-          <a:fontRef idx="minor">
-            <a:schemeClr val="lt1"/>
-          </a:fontRef>
-        </p:style>
-        <p:txBody>
-          <a:bodyPr rtlCol="0" anchor="ctr"/>
-          <a:lstStyle/>
-          <a:p>
-            <a:pPr algn="ctr"/>
-            <a:endParaRPr lang="ko-KR" altLang="en-US" b="1" dirty="0">
-              <a:solidFill>
-                <a:schemeClr val="tx1"/>
-              </a:solidFill>
-            </a:endParaRPr>
-          </a:p>
-        </p:txBody>
-      </p:sp>
-      <p:sp>
-        <p:nvSpPr>
-          <p:cNvPr id="28" name="왼쪽 화살표 27"/>
-          <p:cNvSpPr/>
-          <p:nvPr/>
-        </p:nvSpPr>
-        <p:spPr>
-          <a:xfrm>
-            <a:off x="11039885" y="3041250"/>
-            <a:ext cx="1719751" cy="899909"/>
-          </a:xfrm>
-          <a:prstGeom prst="leftArrow">
-            <a:avLst>
-              <a:gd name="adj1" fmla="val 55645"/>
-              <a:gd name="adj2" fmla="val 50000"/>
-            </a:avLst>
-          </a:prstGeom>
-          <a:solidFill>
-            <a:schemeClr val="bg1"/>
-          </a:solidFill>
-          <a:ln>
-            <a:solidFill>
-              <a:schemeClr val="tx1"/>
-            </a:solidFill>
-          </a:ln>
-        </p:spPr>
-        <p:style>
-          <a:lnRef idx="2">
-            <a:schemeClr val="accent1">
-              <a:shade val="50000"/>
-            </a:schemeClr>
-          </a:lnRef>
-          <a:fillRef idx="1">
-            <a:schemeClr val="accent1"/>
-          </a:fillRef>
-          <a:effectRef idx="0">
-            <a:schemeClr val="accent1"/>
-          </a:effectRef>
-          <a:fontRef idx="minor">
-            <a:schemeClr val="lt1"/>
-          </a:fontRef>
-        </p:style>
-        <p:txBody>
-          <a:bodyPr rtlCol="0" anchor="ctr"/>
-          <a:lstStyle/>
-          <a:p>
-            <a:pPr algn="ctr"/>
-            <a:endParaRPr lang="ko-KR" altLang="en-US" b="1" dirty="0">
-              <a:solidFill>
-                <a:schemeClr val="tx1"/>
-              </a:solidFill>
-            </a:endParaRPr>
-          </a:p>
-        </p:txBody>
-      </p:sp>
-      <p:sp>
-        <p:nvSpPr>
-          <p:cNvPr id="29" name="오른쪽 화살표 28"/>
-          <p:cNvSpPr/>
-          <p:nvPr/>
-        </p:nvSpPr>
-        <p:spPr>
-          <a:xfrm rot="2639902">
-            <a:off x="3640115" y="1387642"/>
-            <a:ext cx="1719751" cy="865658"/>
-          </a:xfrm>
-          <a:prstGeom prst="rightArrow">
-            <a:avLst>
-              <a:gd name="adj1" fmla="val 57825"/>
-              <a:gd name="adj2" fmla="val 50000"/>
-            </a:avLst>
-          </a:prstGeom>
-          <a:solidFill>
-            <a:schemeClr val="bg1"/>
-          </a:solidFill>
-          <a:ln>
-            <a:solidFill>
-              <a:schemeClr val="tx1"/>
-            </a:solidFill>
-          </a:ln>
-        </p:spPr>
-        <p:style>
-          <a:lnRef idx="2">
-            <a:schemeClr val="accent1">
-              <a:shade val="50000"/>
-            </a:schemeClr>
-          </a:lnRef>
-          <a:fillRef idx="1">
-            <a:schemeClr val="accent1"/>
-          </a:fillRef>
-          <a:effectRef idx="0">
-            <a:schemeClr val="accent1"/>
-          </a:effectRef>
-          <a:fontRef idx="minor">
-            <a:schemeClr val="lt1"/>
-          </a:fontRef>
-        </p:style>
-        <p:txBody>
-          <a:bodyPr rtlCol="0" anchor="ctr"/>
-          <a:lstStyle/>
-          <a:p>
-            <a:pPr algn="ctr"/>
-            <a:endParaRPr lang="ko-KR" altLang="en-US" b="1" dirty="0">
-              <a:solidFill>
-                <a:schemeClr val="tx1"/>
-              </a:solidFill>
-            </a:endParaRPr>
-          </a:p>
-        </p:txBody>
-      </p:sp>
-      <p:sp>
-        <p:nvSpPr>
-          <p:cNvPr id="30" name="왼쪽 화살표 29"/>
-          <p:cNvSpPr/>
-          <p:nvPr/>
-        </p:nvSpPr>
-        <p:spPr>
-          <a:xfrm rot="2565336">
-            <a:off x="4757749" y="1160491"/>
-            <a:ext cx="1719751" cy="899909"/>
-          </a:xfrm>
-          <a:prstGeom prst="leftArrow">
-            <a:avLst>
-              <a:gd name="adj1" fmla="val 55645"/>
-              <a:gd name="adj2" fmla="val 50000"/>
-            </a:avLst>
-          </a:prstGeom>
-          <a:solidFill>
-            <a:schemeClr val="bg1"/>
-          </a:solidFill>
-          <a:ln>
-            <a:solidFill>
-              <a:schemeClr val="tx1"/>
-            </a:solidFill>
-          </a:ln>
-        </p:spPr>
-        <p:style>
-          <a:lnRef idx="2">
-            <a:schemeClr val="accent1">
-              <a:shade val="50000"/>
-            </a:schemeClr>
-          </a:lnRef>
-          <a:fillRef idx="1">
-            <a:schemeClr val="accent1"/>
-          </a:fillRef>
-          <a:effectRef idx="0">
-            <a:schemeClr val="accent1"/>
-          </a:effectRef>
-          <a:fontRef idx="minor">
-            <a:schemeClr val="lt1"/>
-          </a:fontRef>
-        </p:style>
-        <p:txBody>
-          <a:bodyPr rtlCol="0" anchor="ctr"/>
-          <a:lstStyle/>
-          <a:p>
-            <a:pPr algn="ctr"/>
-            <a:endParaRPr lang="ko-KR" altLang="en-US" b="1" dirty="0">
-              <a:solidFill>
-                <a:schemeClr val="tx1"/>
-              </a:solidFill>
-            </a:endParaRPr>
-          </a:p>
-        </p:txBody>
-      </p:sp>
-      <p:sp>
-        <p:nvSpPr>
-          <p:cNvPr id="34" name="직사각형 33"/>
-          <p:cNvSpPr/>
-          <p:nvPr/>
-        </p:nvSpPr>
-        <p:spPr>
-          <a:xfrm>
-            <a:off x="11039885" y="2153784"/>
-            <a:ext cx="1779746" cy="844028"/>
+            <a:off x="5219927" y="116632"/>
+            <a:ext cx="1819309" cy="448872"/>
           </a:xfrm>
           <a:prstGeom prst="rect">
             <a:avLst/>
@@ -4543,85 +4502,39 @@
           <a:p>
             <a:pPr algn="ctr"/>
             <a:r>
-              <a:rPr lang="ko-KR" altLang="en-US" sz="1600" dirty="0" smtClean="0">
-                <a:solidFill>
-                  <a:srgbClr val="FF0000"/>
-                </a:solidFill>
-              </a:rPr>
-              <a:t>사용자</a:t>
-            </a:r>
-            <a:r>
-              <a:rPr lang="en-US" altLang="ko-KR" sz="1600" dirty="0">
-                <a:solidFill>
-                  <a:srgbClr val="FF0000"/>
-                </a:solidFill>
-              </a:rPr>
-              <a:t> </a:t>
-            </a:r>
-            <a:r>
-              <a:rPr lang="ko-KR" altLang="en-US" sz="1600" dirty="0" smtClean="0">
-                <a:solidFill>
-                  <a:srgbClr val="FF0000"/>
-                </a:solidFill>
-              </a:rPr>
-              <a:t>입력 </a:t>
-            </a:r>
-            <a:r>
-              <a:rPr lang="en-US" altLang="ko-KR" sz="1600" dirty="0" smtClean="0">
-                <a:solidFill>
-                  <a:srgbClr val="FF0000"/>
-                </a:solidFill>
-              </a:rPr>
-              <a:t>SET</a:t>
-            </a:r>
-            <a:r>
-              <a:rPr lang="en-US" altLang="ko-KR" sz="1600" dirty="0" smtClean="0">
+              <a:rPr lang="ko-KR" altLang="en-US" b="1" dirty="0" err="1" smtClean="0">
                 <a:solidFill>
                   <a:schemeClr val="tx1"/>
                 </a:solidFill>
               </a:rPr>
-              <a:t>,</a:t>
-            </a:r>
-          </a:p>
-          <a:p>
-            <a:pPr algn="ctr"/>
-            <a:r>
-              <a:rPr lang="ko-KR" altLang="en-US" sz="1600" dirty="0" smtClean="0">
-                <a:solidFill>
-                  <a:srgbClr val="00B050"/>
-                </a:solidFill>
-              </a:rPr>
-              <a:t>사용자 정보 </a:t>
-            </a:r>
-            <a:r>
-              <a:rPr lang="en-US" altLang="ko-KR" sz="1600" dirty="0">
-                <a:solidFill>
-                  <a:srgbClr val="00B050"/>
-                </a:solidFill>
-              </a:rPr>
-              <a:t>SET</a:t>
-            </a:r>
-            <a:r>
-              <a:rPr lang="en-US" altLang="ko-KR" sz="1600" dirty="0" smtClean="0">
+              <a:t>구글</a:t>
+            </a:r>
+            <a:r>
+              <a:rPr lang="ko-KR" altLang="en-US" b="1" dirty="0" smtClean="0">
                 <a:solidFill>
                   <a:schemeClr val="tx1"/>
                 </a:solidFill>
               </a:rPr>
-              <a:t>,</a:t>
-            </a:r>
-          </a:p>
-        </p:txBody>
-      </p:sp>
-      <p:sp>
-        <p:nvSpPr>
-          <p:cNvPr id="37" name="직사각형 36"/>
+              <a:t> 렌즈</a:t>
+            </a:r>
+            <a:endParaRPr lang="ko-KR" altLang="en-US" b="1" dirty="0">
+              <a:solidFill>
+                <a:schemeClr val="tx1"/>
+              </a:solidFill>
+            </a:endParaRPr>
+          </a:p>
+        </p:txBody>
+      </p:sp>
+      <p:sp>
+        <p:nvSpPr>
+          <p:cNvPr id="50" name="직사각형 49"/>
           <p:cNvSpPr/>
           <p:nvPr/>
         </p:nvSpPr>
         <p:spPr>
           <a:xfrm>
-            <a:off x="7020272" y="2176769"/>
-            <a:ext cx="1779746" cy="844028"/>
+            <a:off x="-768659" y="4555573"/>
+            <a:ext cx="1819309" cy="864091"/>
           </a:xfrm>
           <a:prstGeom prst="rect">
             <a:avLst/>
@@ -4657,39 +4570,15 @@
           <a:p>
             <a:pPr algn="ctr"/>
             <a:r>
-              <a:rPr lang="ko-KR" altLang="en-US" sz="1600" dirty="0" smtClean="0">
+              <a:rPr lang="ko-KR" altLang="en-US" b="1" dirty="0" smtClean="0">
                 <a:solidFill>
-                  <a:srgbClr val="FF0000"/>
+                  <a:schemeClr val="tx1"/>
                 </a:solidFill>
               </a:rPr>
-              <a:t>사용자</a:t>
-            </a:r>
-            <a:r>
-              <a:rPr lang="en-US" altLang="ko-KR" sz="1600" dirty="0">
-                <a:solidFill>
-                  <a:srgbClr val="FF0000"/>
-                </a:solidFill>
-              </a:rPr>
-              <a:t> </a:t>
-            </a:r>
-            <a:r>
-              <a:rPr lang="ko-KR" altLang="en-US" sz="1600" dirty="0" smtClean="0">
-                <a:solidFill>
-                  <a:srgbClr val="FF0000"/>
-                </a:solidFill>
-              </a:rPr>
-              <a:t>입력 </a:t>
-            </a:r>
-            <a:r>
-              <a:rPr lang="en-US" altLang="ko-KR" sz="1600" dirty="0" smtClean="0">
-                <a:solidFill>
-                  <a:srgbClr val="FF0000"/>
-                </a:solidFill>
-              </a:rPr>
-              <a:t>SET</a:t>
-            </a:r>
-            <a:r>
-              <a:rPr lang="en-US" altLang="ko-KR" sz="1600" dirty="0" smtClean="0">
+              <a:t>고객 사진</a:t>
+            </a:r>
+            <a:r>
+              <a:rPr lang="en-US" altLang="ko-KR" b="1" dirty="0" smtClean="0">
                 <a:solidFill>
                   <a:schemeClr val="tx1"/>
                 </a:solidFill>
@@ -4700,69 +4589,31 @@
           <a:p>
             <a:pPr algn="ctr"/>
             <a:r>
-              <a:rPr lang="ko-KR" altLang="en-US" sz="1600" dirty="0" smtClean="0">
-                <a:solidFill>
-                  <a:srgbClr val="00B050"/>
-                </a:solidFill>
-              </a:rPr>
-              <a:t>사용자 정보 </a:t>
-            </a:r>
-            <a:r>
-              <a:rPr lang="en-US" altLang="ko-KR" sz="1600" dirty="0">
-                <a:solidFill>
-                  <a:srgbClr val="00B050"/>
-                </a:solidFill>
-              </a:rPr>
-              <a:t>SET</a:t>
-            </a:r>
-            <a:r>
-              <a:rPr lang="en-US" altLang="ko-KR" sz="1600" dirty="0" smtClean="0">
+              <a:rPr lang="ko-KR" altLang="en-US" b="1" dirty="0" smtClean="0">
                 <a:solidFill>
                   <a:schemeClr val="tx1"/>
                 </a:solidFill>
               </a:rPr>
-              <a:t>,</a:t>
-            </a:r>
-          </a:p>
-          <a:p>
-            <a:pPr algn="ctr"/>
-            <a:r>
-              <a:rPr lang="ko-KR" altLang="en-US" sz="1600" dirty="0" smtClean="0">
-                <a:solidFill>
-                  <a:srgbClr val="0070C0"/>
-                </a:solidFill>
-              </a:rPr>
-              <a:t>상품 정보 </a:t>
-            </a:r>
-            <a:r>
-              <a:rPr lang="en-US" altLang="ko-KR" sz="1600" dirty="0" smtClean="0">
-                <a:solidFill>
-                  <a:srgbClr val="0070C0"/>
-                </a:solidFill>
-              </a:rPr>
-              <a:t>SET</a:t>
-            </a:r>
-            <a:r>
-              <a:rPr lang="en-US" altLang="ko-KR" sz="1600" dirty="0" smtClean="0">
-                <a:solidFill>
-                  <a:schemeClr val="tx1"/>
-                </a:solidFill>
-              </a:rPr>
-              <a:t>,</a:t>
-            </a:r>
-          </a:p>
-        </p:txBody>
-      </p:sp>
-      <p:sp>
-        <p:nvSpPr>
-          <p:cNvPr id="38" name="직사각형 37"/>
+              <a:t>의류 사진</a:t>
+            </a:r>
+            <a:endParaRPr lang="ko-KR" altLang="en-US" b="1" dirty="0">
+              <a:solidFill>
+                <a:schemeClr val="tx1"/>
+              </a:solidFill>
+            </a:endParaRPr>
+          </a:p>
+        </p:txBody>
+      </p:sp>
+      <p:sp>
+        <p:nvSpPr>
+          <p:cNvPr id="51" name="직사각형 50"/>
           <p:cNvSpPr/>
           <p:nvPr/>
         </p:nvSpPr>
         <p:spPr>
           <a:xfrm>
-            <a:off x="6965799" y="4853929"/>
-            <a:ext cx="1779746" cy="844028"/>
+            <a:off x="3243628" y="4555573"/>
+            <a:ext cx="1819309" cy="864091"/>
           </a:xfrm>
           <a:prstGeom prst="rect">
             <a:avLst/>
@@ -4798,23 +4649,15 @@
           <a:p>
             <a:pPr algn="ctr"/>
             <a:r>
-              <a:rPr lang="ko-KR" altLang="en-US" sz="1600" dirty="0" smtClean="0">
+              <a:rPr lang="ko-KR" altLang="en-US" b="1" dirty="0" smtClean="0">
                 <a:solidFill>
-                  <a:srgbClr val="00B050"/>
+                  <a:schemeClr val="tx1"/>
                 </a:solidFill>
               </a:rPr>
-              <a:t>사용자 정보 </a:t>
-            </a:r>
-            <a:r>
-              <a:rPr lang="en-US" altLang="ko-KR" sz="1600" dirty="0">
-                <a:solidFill>
-                  <a:srgbClr val="00B050"/>
-                </a:solidFill>
-              </a:rPr>
-              <a:t>SET</a:t>
-            </a:r>
-            <a:r>
-              <a:rPr lang="en-US" altLang="ko-KR" sz="1600" dirty="0" smtClean="0">
+              <a:t>고객 사진</a:t>
+            </a:r>
+            <a:r>
+              <a:rPr lang="en-US" altLang="ko-KR" b="1" dirty="0" smtClean="0">
                 <a:solidFill>
                   <a:schemeClr val="tx1"/>
                 </a:solidFill>
@@ -4825,42 +4668,31 @@
           <a:p>
             <a:pPr algn="ctr"/>
             <a:r>
-              <a:rPr lang="ko-KR" altLang="en-US" sz="1600" dirty="0" smtClean="0">
-                <a:solidFill>
-                  <a:srgbClr val="0070C0"/>
-                </a:solidFill>
-              </a:rPr>
-              <a:t>상품 정보 </a:t>
-            </a:r>
-            <a:r>
-              <a:rPr lang="en-US" altLang="ko-KR" sz="1600" dirty="0" smtClean="0">
-                <a:solidFill>
-                  <a:srgbClr val="0070C0"/>
-                </a:solidFill>
-              </a:rPr>
-              <a:t>SET</a:t>
-            </a:r>
-            <a:r>
-              <a:rPr lang="en-US" altLang="ko-KR" sz="1600" dirty="0" smtClean="0">
+              <a:rPr lang="ko-KR" altLang="en-US" b="1" dirty="0" smtClean="0">
                 <a:solidFill>
                   <a:schemeClr val="tx1"/>
                 </a:solidFill>
               </a:rPr>
-              <a:t>,</a:t>
-            </a:r>
-          </a:p>
-        </p:txBody>
-      </p:sp>
-      <p:sp>
-        <p:nvSpPr>
-          <p:cNvPr id="39" name="직사각형 38"/>
+              <a:t>의류 사진</a:t>
+            </a:r>
+            <a:endParaRPr lang="ko-KR" altLang="en-US" b="1" dirty="0">
+              <a:solidFill>
+                <a:schemeClr val="tx1"/>
+              </a:solidFill>
+            </a:endParaRPr>
+          </a:p>
+        </p:txBody>
+      </p:sp>
+      <p:sp>
+        <p:nvSpPr>
+          <p:cNvPr id="52" name="직사각형 51"/>
           <p:cNvSpPr/>
           <p:nvPr/>
         </p:nvSpPr>
         <p:spPr>
           <a:xfrm>
-            <a:off x="5951591" y="1064419"/>
-            <a:ext cx="1779746" cy="844028"/>
+            <a:off x="7306158" y="4558685"/>
+            <a:ext cx="1819309" cy="864091"/>
           </a:xfrm>
           <a:prstGeom prst="rect">
             <a:avLst/>
@@ -4896,39 +4728,15 @@
           <a:p>
             <a:pPr algn="ctr"/>
             <a:r>
-              <a:rPr lang="ko-KR" altLang="en-US" sz="1600" dirty="0" smtClean="0">
+              <a:rPr lang="ko-KR" altLang="en-US" b="1" dirty="0" smtClean="0">
                 <a:solidFill>
-                  <a:srgbClr val="FF0000"/>
+                  <a:schemeClr val="tx1"/>
                 </a:solidFill>
               </a:rPr>
-              <a:t>사용자</a:t>
-            </a:r>
-            <a:r>
-              <a:rPr lang="en-US" altLang="ko-KR" sz="1600" dirty="0">
-                <a:solidFill>
-                  <a:srgbClr val="FF0000"/>
-                </a:solidFill>
-              </a:rPr>
-              <a:t> </a:t>
-            </a:r>
-            <a:r>
-              <a:rPr lang="ko-KR" altLang="en-US" sz="1600" dirty="0" smtClean="0">
-                <a:solidFill>
-                  <a:srgbClr val="FF0000"/>
-                </a:solidFill>
-              </a:rPr>
-              <a:t>입력 </a:t>
-            </a:r>
-            <a:r>
-              <a:rPr lang="en-US" altLang="ko-KR" sz="1600" dirty="0" smtClean="0">
-                <a:solidFill>
-                  <a:srgbClr val="FF0000"/>
-                </a:solidFill>
-              </a:rPr>
-              <a:t>SET</a:t>
-            </a:r>
-            <a:r>
-              <a:rPr lang="en-US" altLang="ko-KR" sz="1600" dirty="0" smtClean="0">
+              <a:t>고객 사진</a:t>
+            </a:r>
+            <a:r>
+              <a:rPr lang="en-US" altLang="ko-KR" b="1" dirty="0" smtClean="0">
                 <a:solidFill>
                   <a:schemeClr val="tx1"/>
                 </a:solidFill>
@@ -4939,69 +4747,31 @@
           <a:p>
             <a:pPr algn="ctr"/>
             <a:r>
-              <a:rPr lang="ko-KR" altLang="en-US" sz="1600" dirty="0" smtClean="0">
-                <a:solidFill>
-                  <a:srgbClr val="00B050"/>
-                </a:solidFill>
-              </a:rPr>
-              <a:t>사용자 정보 </a:t>
-            </a:r>
-            <a:r>
-              <a:rPr lang="en-US" altLang="ko-KR" sz="1600" dirty="0">
-                <a:solidFill>
-                  <a:srgbClr val="00B050"/>
-                </a:solidFill>
-              </a:rPr>
-              <a:t>SET</a:t>
-            </a:r>
-            <a:r>
-              <a:rPr lang="en-US" altLang="ko-KR" sz="1600" dirty="0" smtClean="0">
+              <a:rPr lang="ko-KR" altLang="en-US" b="1" dirty="0" smtClean="0">
                 <a:solidFill>
                   <a:schemeClr val="tx1"/>
                 </a:solidFill>
               </a:rPr>
-              <a:t>,</a:t>
-            </a:r>
-          </a:p>
-          <a:p>
-            <a:pPr algn="ctr"/>
-            <a:r>
-              <a:rPr lang="ko-KR" altLang="en-US" sz="1600" dirty="0" smtClean="0">
-                <a:solidFill>
-                  <a:srgbClr val="0070C0"/>
-                </a:solidFill>
-              </a:rPr>
-              <a:t>상품 정보 </a:t>
-            </a:r>
-            <a:r>
-              <a:rPr lang="en-US" altLang="ko-KR" sz="1600" dirty="0" smtClean="0">
-                <a:solidFill>
-                  <a:srgbClr val="0070C0"/>
-                </a:solidFill>
-              </a:rPr>
-              <a:t>SET</a:t>
-            </a:r>
-            <a:r>
-              <a:rPr lang="en-US" altLang="ko-KR" sz="1600" dirty="0" smtClean="0">
-                <a:solidFill>
-                  <a:schemeClr val="tx1"/>
-                </a:solidFill>
-              </a:rPr>
-              <a:t>,</a:t>
-            </a:r>
-          </a:p>
-        </p:txBody>
-      </p:sp>
-      <p:sp>
-        <p:nvSpPr>
-          <p:cNvPr id="40" name="직사각형 39"/>
+              <a:t>의류 사진</a:t>
+            </a:r>
+            <a:endParaRPr lang="ko-KR" altLang="en-US" b="1" dirty="0">
+              <a:solidFill>
+                <a:schemeClr val="tx1"/>
+              </a:solidFill>
+            </a:endParaRPr>
+          </a:p>
+        </p:txBody>
+      </p:sp>
+      <p:sp>
+        <p:nvSpPr>
+          <p:cNvPr id="53" name="직사각형 52"/>
           <p:cNvSpPr/>
           <p:nvPr/>
         </p:nvSpPr>
         <p:spPr>
           <a:xfrm>
-            <a:off x="2922170" y="1885105"/>
-            <a:ext cx="1779746" cy="844028"/>
+            <a:off x="7281564" y="7357384"/>
+            <a:ext cx="1819309" cy="864091"/>
           </a:xfrm>
           <a:prstGeom prst="rect">
             <a:avLst/>
@@ -5037,112 +4807,55 @@
           <a:p>
             <a:pPr algn="ctr"/>
             <a:r>
-              <a:rPr lang="ko-KR" altLang="en-US" sz="1600" dirty="0" smtClean="0">
-                <a:solidFill>
-                  <a:srgbClr val="FF0000"/>
-                </a:solidFill>
-              </a:rPr>
-              <a:t>사용자</a:t>
-            </a:r>
-            <a:r>
-              <a:rPr lang="en-US" altLang="ko-KR" sz="1600" dirty="0">
-                <a:solidFill>
-                  <a:srgbClr val="FF0000"/>
-                </a:solidFill>
-              </a:rPr>
-              <a:t> </a:t>
-            </a:r>
-            <a:r>
-              <a:rPr lang="ko-KR" altLang="en-US" sz="1600" dirty="0" smtClean="0">
-                <a:solidFill>
-                  <a:srgbClr val="FF0000"/>
-                </a:solidFill>
-              </a:rPr>
-              <a:t>입력 </a:t>
-            </a:r>
-            <a:r>
-              <a:rPr lang="en-US" altLang="ko-KR" sz="1600" dirty="0" smtClean="0">
-                <a:solidFill>
-                  <a:srgbClr val="FF0000"/>
-                </a:solidFill>
-              </a:rPr>
-              <a:t>SET</a:t>
-            </a:r>
-            <a:r>
-              <a:rPr lang="en-US" altLang="ko-KR" sz="1600" dirty="0" smtClean="0">
+              <a:rPr lang="ko-KR" altLang="en-US" b="1" dirty="0" smtClean="0">
                 <a:solidFill>
                   <a:schemeClr val="tx1"/>
                 </a:solidFill>
               </a:rPr>
-              <a:t>,</a:t>
-            </a:r>
-          </a:p>
-          <a:p>
-            <a:pPr algn="ctr"/>
-            <a:r>
-              <a:rPr lang="ko-KR" altLang="en-US" sz="1600" dirty="0" smtClean="0">
-                <a:solidFill>
-                  <a:srgbClr val="00B050"/>
-                </a:solidFill>
-              </a:rPr>
-              <a:t>사용자 정보 </a:t>
-            </a:r>
-            <a:r>
-              <a:rPr lang="en-US" altLang="ko-KR" sz="1600" dirty="0">
-                <a:solidFill>
-                  <a:srgbClr val="00B050"/>
-                </a:solidFill>
-              </a:rPr>
-              <a:t>SET</a:t>
-            </a:r>
-            <a:r>
-              <a:rPr lang="en-US" altLang="ko-KR" sz="1600" dirty="0" smtClean="0">
+              <a:t>가상 </a:t>
+            </a:r>
+            <a:r>
+              <a:rPr lang="ko-KR" altLang="en-US" b="1" dirty="0" err="1" smtClean="0">
                 <a:solidFill>
                   <a:schemeClr val="tx1"/>
                 </a:solidFill>
               </a:rPr>
-              <a:t>,</a:t>
-            </a:r>
+              <a:t>피팅된</a:t>
+            </a:r>
+            <a:endParaRPr lang="en-US" altLang="ko-KR" b="1" dirty="0" smtClean="0">
+              <a:solidFill>
+                <a:schemeClr val="tx1"/>
+              </a:solidFill>
+            </a:endParaRPr>
           </a:p>
           <a:p>
             <a:pPr algn="ctr"/>
             <a:r>
-              <a:rPr lang="ko-KR" altLang="en-US" sz="1600" dirty="0" smtClean="0">
-                <a:solidFill>
-                  <a:srgbClr val="0070C0"/>
-                </a:solidFill>
-              </a:rPr>
-              <a:t>상품 정보 </a:t>
-            </a:r>
-            <a:r>
-              <a:rPr lang="en-US" altLang="ko-KR" sz="1600" dirty="0" smtClean="0">
-                <a:solidFill>
-                  <a:srgbClr val="0070C0"/>
-                </a:solidFill>
-              </a:rPr>
-              <a:t>SET</a:t>
-            </a:r>
-            <a:r>
-              <a:rPr lang="en-US" altLang="ko-KR" sz="1600" dirty="0" smtClean="0">
+              <a:rPr lang="ko-KR" altLang="en-US" b="1" dirty="0" smtClean="0">
                 <a:solidFill>
                   <a:schemeClr val="tx1"/>
                 </a:solidFill>
               </a:rPr>
-              <a:t>,</a:t>
-            </a:r>
-          </a:p>
-        </p:txBody>
-      </p:sp>
-      <p:sp>
-        <p:nvSpPr>
-          <p:cNvPr id="43" name="직사각형 42"/>
+              <a:t> 고객의 이미지</a:t>
+            </a:r>
+            <a:endParaRPr lang="ko-KR" altLang="en-US" b="1" dirty="0">
+              <a:solidFill>
+                <a:schemeClr val="tx1"/>
+              </a:solidFill>
+            </a:endParaRPr>
+          </a:p>
+        </p:txBody>
+      </p:sp>
+      <p:sp>
+        <p:nvSpPr>
+          <p:cNvPr id="54" name="직사각형 53"/>
           <p:cNvSpPr/>
           <p:nvPr/>
         </p:nvSpPr>
         <p:spPr>
           <a:xfrm>
-            <a:off x="11069882" y="4888449"/>
-            <a:ext cx="1779746" cy="844028"/>
+            <a:off x="3298280" y="7357384"/>
+            <a:ext cx="1819309" cy="864091"/>
           </a:xfrm>
           <a:prstGeom prst="rect">
             <a:avLst/>
@@ -5178,69 +4891,55 @@
           <a:p>
             <a:pPr algn="ctr"/>
             <a:r>
-              <a:rPr lang="ko-KR" altLang="en-US" sz="1600" dirty="0" smtClean="0">
-                <a:solidFill>
-                  <a:srgbClr val="00B050"/>
-                </a:solidFill>
-              </a:rPr>
-              <a:t>사용자 정보 </a:t>
-            </a:r>
-            <a:r>
-              <a:rPr lang="en-US" altLang="ko-KR" sz="1600" dirty="0">
-                <a:solidFill>
-                  <a:srgbClr val="00B050"/>
-                </a:solidFill>
-              </a:rPr>
-              <a:t>SET</a:t>
-            </a:r>
-            <a:r>
-              <a:rPr lang="en-US" altLang="ko-KR" sz="1600" dirty="0" smtClean="0">
+              <a:rPr lang="ko-KR" altLang="en-US" b="1" dirty="0" smtClean="0">
                 <a:solidFill>
                   <a:schemeClr val="tx1"/>
                 </a:solidFill>
               </a:rPr>
-              <a:t>,</a:t>
-            </a:r>
-          </a:p>
-          <a:p>
-            <a:pPr algn="ctr"/>
-            <a:r>
-              <a:rPr lang="ko-KR" altLang="en-US" sz="1600" dirty="0" smtClean="0">
-                <a:solidFill>
-                  <a:srgbClr val="0070C0"/>
-                </a:solidFill>
-              </a:rPr>
-              <a:t>상품 정보 </a:t>
-            </a:r>
-            <a:r>
-              <a:rPr lang="en-US" altLang="ko-KR" sz="1600" dirty="0" smtClean="0">
-                <a:solidFill>
-                  <a:srgbClr val="0070C0"/>
-                </a:solidFill>
-              </a:rPr>
-              <a:t>SET</a:t>
-            </a:r>
-            <a:r>
-              <a:rPr lang="en-US" altLang="ko-KR" sz="1600" dirty="0" smtClean="0">
+              <a:t>가상 </a:t>
+            </a:r>
+            <a:r>
+              <a:rPr lang="ko-KR" altLang="en-US" b="1" dirty="0" err="1" smtClean="0">
                 <a:solidFill>
                   <a:schemeClr val="tx1"/>
                 </a:solidFill>
               </a:rPr>
-              <a:t>,</a:t>
-            </a:r>
-          </a:p>
-        </p:txBody>
-      </p:sp>
-      <p:sp>
-        <p:nvSpPr>
-          <p:cNvPr id="44" name="직사각형 43"/>
+              <a:t>피팅된</a:t>
+            </a:r>
+            <a:endParaRPr lang="en-US" altLang="ko-KR" b="1" dirty="0" smtClean="0">
+              <a:solidFill>
+                <a:schemeClr val="tx1"/>
+              </a:solidFill>
+            </a:endParaRPr>
+          </a:p>
+          <a:p>
+            <a:pPr algn="ctr"/>
+            <a:r>
+              <a:rPr lang="ko-KR" altLang="en-US" b="1" dirty="0" smtClean="0">
+                <a:solidFill>
+                  <a:schemeClr val="tx1"/>
+                </a:solidFill>
+              </a:rPr>
+              <a:t>고객의 이미지</a:t>
+            </a:r>
+            <a:endParaRPr lang="ko-KR" altLang="en-US" b="1" dirty="0">
+              <a:solidFill>
+                <a:schemeClr val="tx1"/>
+              </a:solidFill>
+            </a:endParaRPr>
+          </a:p>
+        </p:txBody>
+      </p:sp>
+      <p:sp>
+        <p:nvSpPr>
+          <p:cNvPr id="56" name="직사각형 55"/>
           <p:cNvSpPr/>
           <p:nvPr/>
         </p:nvSpPr>
         <p:spPr>
           <a:xfrm>
-            <a:off x="10085900" y="-1395536"/>
-            <a:ext cx="3847139" cy="844028"/>
+            <a:off x="-786812" y="7357384"/>
+            <a:ext cx="1819309" cy="864091"/>
           </a:xfrm>
           <a:prstGeom prst="rect">
             <a:avLst/>
@@ -5276,61 +4975,40 @@
           <a:p>
             <a:pPr algn="ctr"/>
             <a:r>
-              <a:rPr lang="en-US" altLang="ko-KR" sz="2400" dirty="0">
+              <a:rPr lang="ko-KR" altLang="en-US" b="1" dirty="0" smtClean="0">
                 <a:solidFill>
-                  <a:srgbClr val="FF0000"/>
+                  <a:schemeClr val="tx1"/>
                 </a:solidFill>
               </a:rPr>
-              <a:t>-</a:t>
-            </a:r>
-            <a:r>
-              <a:rPr lang="ko-KR" altLang="en-US" sz="2400" dirty="0">
+              <a:t>가상 </a:t>
+            </a:r>
+            <a:r>
+              <a:rPr lang="ko-KR" altLang="en-US" b="1" dirty="0" err="1" smtClean="0">
                 <a:solidFill>
-                  <a:srgbClr val="FF0000"/>
+                  <a:schemeClr val="tx1"/>
                 </a:solidFill>
               </a:rPr>
-              <a:t>사용자 입력 </a:t>
-            </a:r>
-            <a:r>
-              <a:rPr lang="en-US" altLang="ko-KR" sz="2400" dirty="0">
+              <a:t>피팅된</a:t>
+            </a:r>
+            <a:endParaRPr lang="en-US" altLang="ko-KR" b="1" dirty="0">
+              <a:solidFill>
+                <a:schemeClr val="tx1"/>
+              </a:solidFill>
+            </a:endParaRPr>
+          </a:p>
+          <a:p>
+            <a:pPr algn="ctr"/>
+            <a:r>
+              <a:rPr lang="ko-KR" altLang="en-US" b="1" dirty="0" smtClean="0">
                 <a:solidFill>
-                  <a:srgbClr val="FF0000"/>
-                </a:solidFill>
-                <a:latin typeface="+mj-ea"/>
-                <a:ea typeface="+mj-ea"/>
-              </a:rPr>
-              <a:t>SET-</a:t>
-            </a:r>
-          </a:p>
-          <a:p>
-            <a:pPr algn="ctr"/>
-            <a:r>
-              <a:rPr lang="ko-KR" altLang="en-US" sz="2400" dirty="0">
-                <a:solidFill>
-                  <a:srgbClr val="FF0000"/>
+                  <a:schemeClr val="tx1"/>
                 </a:solidFill>
               </a:rPr>
-              <a:t>아이디</a:t>
-            </a:r>
-            <a:r>
-              <a:rPr lang="en-US" altLang="ko-KR" sz="2400" dirty="0">
-                <a:solidFill>
-                  <a:srgbClr val="FF0000"/>
-                </a:solidFill>
-              </a:rPr>
-              <a:t>,</a:t>
-            </a:r>
-            <a:r>
-              <a:rPr lang="ko-KR" altLang="en-US" sz="2400" dirty="0">
-                <a:solidFill>
-                  <a:srgbClr val="FF0000"/>
-                </a:solidFill>
-              </a:rPr>
-              <a:t> 비밀번호</a:t>
-            </a:r>
-            <a:endParaRPr lang="en-US" altLang="ko-KR" sz="2400" dirty="0">
+              <a:t>고객의 이미지</a:t>
+            </a:r>
+            <a:endParaRPr lang="ko-KR" altLang="en-US" b="1" dirty="0">
               <a:solidFill>
-                <a:srgbClr val="FF0000"/>
+                <a:schemeClr val="tx1"/>
               </a:solidFill>
             </a:endParaRPr>
           </a:p>
@@ -5338,14 +5016,14 @@
       </p:sp>
       <p:sp>
         <p:nvSpPr>
-          <p:cNvPr id="45" name="직사각형 44"/>
+          <p:cNvPr id="58" name="직사각형 57"/>
           <p:cNvSpPr/>
           <p:nvPr/>
         </p:nvSpPr>
         <p:spPr>
           <a:xfrm>
-            <a:off x="10055903" y="-243408"/>
-            <a:ext cx="4206461" cy="844028"/>
+            <a:off x="3547636" y="3329552"/>
+            <a:ext cx="1765796" cy="720075"/>
           </a:xfrm>
           <a:prstGeom prst="rect">
             <a:avLst/>
@@ -5381,91 +5059,16 @@
           <a:p>
             <a:pPr algn="ctr"/>
             <a:r>
-              <a:rPr lang="en-US" altLang="ko-KR" sz="2400" dirty="0">
+              <a:rPr lang="ko-KR" altLang="en-US" b="1" dirty="0" smtClean="0">
                 <a:solidFill>
-                  <a:srgbClr val="00B050"/>
+                  <a:schemeClr val="tx1"/>
                 </a:solidFill>
               </a:rPr>
-              <a:t>-</a:t>
-            </a:r>
-            <a:r>
-              <a:rPr lang="ko-KR" altLang="en-US" sz="2400" dirty="0">
-                <a:solidFill>
-                  <a:srgbClr val="00B050"/>
-                </a:solidFill>
-              </a:rPr>
-              <a:t>사용자 정보 </a:t>
-            </a:r>
-            <a:r>
-              <a:rPr lang="en-US" altLang="ko-KR" sz="2400" dirty="0">
-                <a:solidFill>
-                  <a:srgbClr val="00B050"/>
-                </a:solidFill>
-              </a:rPr>
-              <a:t>SET-</a:t>
-            </a:r>
-          </a:p>
-          <a:p>
-            <a:pPr algn="ctr"/>
-            <a:r>
-              <a:rPr lang="ko-KR" altLang="en-US" sz="2400" dirty="0">
-                <a:solidFill>
-                  <a:srgbClr val="00B050"/>
-                </a:solidFill>
-              </a:rPr>
-              <a:t>회원 </a:t>
-            </a:r>
-            <a:r>
-              <a:rPr lang="en-US" altLang="ko-KR" sz="2400" dirty="0" smtClean="0">
-                <a:solidFill>
-                  <a:srgbClr val="00B050"/>
-                </a:solidFill>
-              </a:rPr>
-              <a:t>ID, </a:t>
-            </a:r>
-            <a:r>
-              <a:rPr lang="ko-KR" altLang="en-US" sz="2400" dirty="0">
-                <a:solidFill>
-                  <a:srgbClr val="00B050"/>
-                </a:solidFill>
-              </a:rPr>
-              <a:t>키</a:t>
-            </a:r>
-            <a:r>
-              <a:rPr lang="en-US" altLang="ko-KR" sz="2400" dirty="0" smtClean="0">
-                <a:solidFill>
-                  <a:srgbClr val="00B050"/>
-                </a:solidFill>
-              </a:rPr>
-              <a:t>, </a:t>
-            </a:r>
-            <a:r>
-              <a:rPr lang="ko-KR" altLang="en-US" sz="2400" dirty="0" smtClean="0">
-                <a:solidFill>
-                  <a:srgbClr val="00B050"/>
-                </a:solidFill>
-              </a:rPr>
-              <a:t>몸무게</a:t>
-            </a:r>
-            <a:r>
-              <a:rPr lang="en-US" altLang="ko-KR" sz="2400" dirty="0" smtClean="0">
-                <a:solidFill>
-                  <a:srgbClr val="00B050"/>
-                </a:solidFill>
-              </a:rPr>
-              <a:t>, </a:t>
-            </a:r>
-            <a:r>
-              <a:rPr lang="ko-KR" altLang="en-US" sz="2400" dirty="0" err="1" smtClean="0">
-                <a:solidFill>
-                  <a:srgbClr val="00B050"/>
-                </a:solidFill>
-              </a:rPr>
-              <a:t>아바타</a:t>
-            </a:r>
-            <a:endParaRPr lang="en-US" altLang="ko-KR" sz="2400" dirty="0">
+              <a:t>의류 사진</a:t>
+            </a:r>
+            <a:endParaRPr lang="ko-KR" altLang="en-US" b="1" dirty="0">
               <a:solidFill>
-                <a:srgbClr val="00B050"/>
+                <a:schemeClr val="tx1"/>
               </a:solidFill>
             </a:endParaRPr>
           </a:p>
@@ -5473,14 +5076,14 @@
       </p:sp>
       <p:sp>
         <p:nvSpPr>
-          <p:cNvPr id="46" name="직사각형 45"/>
+          <p:cNvPr id="59" name="직사각형 58"/>
           <p:cNvSpPr/>
           <p:nvPr/>
         </p:nvSpPr>
         <p:spPr>
           <a:xfrm>
-            <a:off x="10085901" y="904661"/>
-            <a:ext cx="4176464" cy="844028"/>
+            <a:off x="7129655" y="3329552"/>
+            <a:ext cx="1762412" cy="720075"/>
           </a:xfrm>
           <a:prstGeom prst="rect">
             <a:avLst/>
@@ -5516,59 +5119,24 @@
           <a:p>
             <a:pPr algn="ctr"/>
             <a:r>
-              <a:rPr lang="en-US" altLang="ko-KR" sz="2400" dirty="0">
+              <a:rPr lang="ko-KR" altLang="en-US" b="1" dirty="0" smtClean="0">
                 <a:solidFill>
-                  <a:srgbClr val="0070C0"/>
+                  <a:schemeClr val="tx1"/>
                 </a:solidFill>
               </a:rPr>
-              <a:t>-</a:t>
-            </a:r>
-            <a:r>
-              <a:rPr lang="ko-KR" altLang="en-US" sz="2400" dirty="0">
+              <a:t>유사 </a:t>
+            </a:r>
+            <a:r>
+              <a:rPr lang="ko-KR" altLang="en-US" b="1" dirty="0" smtClean="0">
                 <a:solidFill>
-                  <a:srgbClr val="0070C0"/>
+                  <a:schemeClr val="tx1"/>
                 </a:solidFill>
               </a:rPr>
-              <a:t>상품 정보 </a:t>
-            </a:r>
-            <a:r>
-              <a:rPr lang="en-US" altLang="ko-KR" sz="2400" dirty="0">
-                <a:solidFill>
-                  <a:srgbClr val="0070C0"/>
-                </a:solidFill>
-              </a:rPr>
-              <a:t>SET-</a:t>
-            </a:r>
-          </a:p>
-          <a:p>
-            <a:pPr algn="ctr"/>
-            <a:r>
-              <a:rPr lang="ko-KR" altLang="en-US" sz="2400" dirty="0">
-                <a:solidFill>
-                  <a:srgbClr val="0070C0"/>
-                </a:solidFill>
-              </a:rPr>
-              <a:t>상품 이름</a:t>
-            </a:r>
-            <a:r>
-              <a:rPr lang="en-US" altLang="ko-KR" sz="2400" dirty="0">
-                <a:solidFill>
-                  <a:srgbClr val="0070C0"/>
-                </a:solidFill>
-              </a:rPr>
-              <a:t>, </a:t>
-            </a:r>
-            <a:r>
-              <a:rPr lang="en-US" altLang="ko-KR" sz="2400" dirty="0" smtClean="0">
-                <a:solidFill>
-                  <a:srgbClr val="0070C0"/>
-                </a:solidFill>
-              </a:rPr>
-              <a:t>ID, Size</a:t>
-            </a:r>
-            <a:endParaRPr lang="en-US" altLang="ko-KR" sz="2400" dirty="0">
+              <a:t>의류 사진</a:t>
+            </a:r>
+            <a:endParaRPr lang="ko-KR" altLang="en-US" b="1" dirty="0">
               <a:solidFill>
-                <a:srgbClr val="0070C0"/>
+                <a:schemeClr val="tx1"/>
               </a:solidFill>
             </a:endParaRPr>
           </a:p>
@@ -5877,4 +5445,289 @@
   <a:objectDefaults/>
   <a:extraClrSchemeLst/>
 </a:theme>
+</file>
+
+<file path=ppt/theme/theme2.xml><?xml version="1.0" encoding="utf-8"?>
+<a:theme xmlns:a="http://schemas.openxmlformats.org/drawingml/2006/main" name="Office 테마">
+  <a:themeElements>
+    <a:clrScheme name="Office">
+      <a:dk1>
+        <a:sysClr val="windowText" lastClr="000000"/>
+      </a:dk1>
+      <a:lt1>
+        <a:sysClr val="window" lastClr="FFFFFF"/>
+      </a:lt1>
+      <a:dk2>
+        <a:srgbClr val="1F497D"/>
+      </a:dk2>
+      <a:lt2>
+        <a:srgbClr val="EEECE1"/>
+      </a:lt2>
+      <a:accent1>
+        <a:srgbClr val="4F81BD"/>
+      </a:accent1>
+      <a:accent2>
+        <a:srgbClr val="C0504D"/>
+      </a:accent2>
+      <a:accent3>
+        <a:srgbClr val="9BBB59"/>
+      </a:accent3>
+      <a:accent4>
+        <a:srgbClr val="8064A2"/>
+      </a:accent4>
+      <a:accent5>
+        <a:srgbClr val="4BACC6"/>
+      </a:accent5>
+      <a:accent6>
+        <a:srgbClr val="F79646"/>
+      </a:accent6>
+      <a:hlink>
+        <a:srgbClr val="0000FF"/>
+      </a:hlink>
+      <a:folHlink>
+        <a:srgbClr val="800080"/>
+      </a:folHlink>
+    </a:clrScheme>
+    <a:fontScheme name="Office">
+      <a:majorFont>
+        <a:latin typeface="맑은 고딕"/>
+        <a:ea typeface=""/>
+        <a:cs typeface=""/>
+        <a:font script="Jpan" typeface="ＭＳ Ｐゴシック"/>
+        <a:font script="Hang" typeface="맑은 고딕"/>
+        <a:font script="Hans" typeface="宋体"/>
+        <a:font script="Hant" typeface="新細明體"/>
+        <a:font script="Arab" typeface="Times New Roman"/>
+        <a:font script="Hebr" typeface="Times New Roman"/>
+        <a:font script="Thai" typeface="Angsana New"/>
+        <a:font script="Ethi" typeface="Nyala"/>
+        <a:font script="Beng" typeface="Vrinda"/>
+        <a:font script="Gujr" typeface="Shruti"/>
+        <a:font script="Khmr" typeface="MoolBoran"/>
+        <a:font script="Knda" typeface="Tunga"/>
+        <a:font script="Guru" typeface="Raavi"/>
+        <a:font script="Cans" typeface="Euphemia"/>
+        <a:font script="Cher" typeface="Plantagenet Cherokee"/>
+        <a:font script="Yiii" typeface="Microsoft Yi Baiti"/>
+        <a:font script="Tibt" typeface="Microsoft Himalaya"/>
+        <a:font script="Thaa" typeface="MV Boli"/>
+        <a:font script="Deva" typeface="Mangal"/>
+        <a:font script="Telu" typeface="Gautami"/>
+        <a:font script="Taml" typeface="Latha"/>
+        <a:font script="Syrc" typeface="Estrangelo Edessa"/>
+        <a:font script="Orya" typeface="Kalinga"/>
+        <a:font script="Mlym" typeface="Kartika"/>
+        <a:font script="Laoo" typeface="DokChampa"/>
+        <a:font script="Sinh" typeface="Iskoola Pota"/>
+        <a:font script="Mong" typeface="Mongolian Baiti"/>
+        <a:font script="Viet" typeface="Times New Roman"/>
+        <a:font script="Uigh" typeface="Microsoft Uighur"/>
+        <a:font script="Geor" typeface="Sylfaen"/>
+      </a:majorFont>
+      <a:minorFont>
+        <a:latin typeface="맑은 고딕"/>
+        <a:ea typeface=""/>
+        <a:cs typeface=""/>
+        <a:font script="Jpan" typeface="ＭＳ Ｐゴシック"/>
+        <a:font script="Hang" typeface="맑은 고딕"/>
+        <a:font script="Hans" typeface="宋体"/>
+        <a:font script="Hant" typeface="新細明體"/>
+        <a:font script="Arab" typeface="Arial"/>
+        <a:font script="Hebr" typeface="Arial"/>
+        <a:font script="Thai" typeface="Cordia New"/>
+        <a:font script="Ethi" typeface="Nyala"/>
+        <a:font script="Beng" typeface="Vrinda"/>
+        <a:font script="Gujr" typeface="Shruti"/>
+        <a:font script="Khmr" typeface="DaunPenh"/>
+        <a:font script="Knda" typeface="Tunga"/>
+        <a:font script="Guru" typeface="Raavi"/>
+        <a:font script="Cans" typeface="Euphemia"/>
+        <a:font script="Cher" typeface="Plantagenet Cherokee"/>
+        <a:font script="Yiii" typeface="Microsoft Yi Baiti"/>
+        <a:font script="Tibt" typeface="Microsoft Himalaya"/>
+        <a:font script="Thaa" typeface="MV Boli"/>
+        <a:font script="Deva" typeface="Mangal"/>
+        <a:font script="Telu" typeface="Gautami"/>
+        <a:font script="Taml" typeface="Latha"/>
+        <a:font script="Syrc" typeface="Estrangelo Edessa"/>
+        <a:font script="Orya" typeface="Kalinga"/>
+        <a:font script="Mlym" typeface="Kartika"/>
+        <a:font script="Laoo" typeface="DokChampa"/>
+        <a:font script="Sinh" typeface="Iskoola Pota"/>
+        <a:font script="Mong" typeface="Mongolian Baiti"/>
+        <a:font script="Viet" typeface="Arial"/>
+        <a:font script="Uigh" typeface="Microsoft Uighur"/>
+        <a:font script="Geor" typeface="Sylfaen"/>
+      </a:minorFont>
+    </a:fontScheme>
+    <a:fmtScheme name="Office">
+      <a:fillStyleLst>
+        <a:solidFill>
+          <a:schemeClr val="phClr"/>
+        </a:solidFill>
+        <a:gradFill rotWithShape="1">
+          <a:gsLst>
+            <a:gs pos="0">
+              <a:schemeClr val="phClr">
+                <a:tint val="50000"/>
+                <a:satMod val="300000"/>
+              </a:schemeClr>
+            </a:gs>
+            <a:gs pos="35000">
+              <a:schemeClr val="phClr">
+                <a:tint val="37000"/>
+                <a:satMod val="300000"/>
+              </a:schemeClr>
+            </a:gs>
+            <a:gs pos="100000">
+              <a:schemeClr val="phClr">
+                <a:tint val="15000"/>
+                <a:satMod val="350000"/>
+              </a:schemeClr>
+            </a:gs>
+          </a:gsLst>
+          <a:lin ang="16200000" scaled="1"/>
+        </a:gradFill>
+        <a:gradFill rotWithShape="1">
+          <a:gsLst>
+            <a:gs pos="0">
+              <a:schemeClr val="phClr">
+                <a:shade val="51000"/>
+                <a:satMod val="130000"/>
+              </a:schemeClr>
+            </a:gs>
+            <a:gs pos="80000">
+              <a:schemeClr val="phClr">
+                <a:shade val="93000"/>
+                <a:satMod val="130000"/>
+              </a:schemeClr>
+            </a:gs>
+            <a:gs pos="100000">
+              <a:schemeClr val="phClr">
+                <a:shade val="94000"/>
+                <a:satMod val="135000"/>
+              </a:schemeClr>
+            </a:gs>
+          </a:gsLst>
+          <a:lin ang="16200000" scaled="0"/>
+        </a:gradFill>
+      </a:fillStyleLst>
+      <a:lnStyleLst>
+        <a:ln w="9525" cap="flat" cmpd="sng" algn="ctr">
+          <a:solidFill>
+            <a:schemeClr val="phClr">
+              <a:shade val="95000"/>
+              <a:satMod val="105000"/>
+            </a:schemeClr>
+          </a:solidFill>
+          <a:prstDash val="solid"/>
+        </a:ln>
+        <a:ln w="25400" cap="flat" cmpd="sng" algn="ctr">
+          <a:solidFill>
+            <a:schemeClr val="phClr"/>
+          </a:solidFill>
+          <a:prstDash val="solid"/>
+        </a:ln>
+        <a:ln w="38100" cap="flat" cmpd="sng" algn="ctr">
+          <a:solidFill>
+            <a:schemeClr val="phClr"/>
+          </a:solidFill>
+          <a:prstDash val="solid"/>
+        </a:ln>
+      </a:lnStyleLst>
+      <a:effectStyleLst>
+        <a:effectStyle>
+          <a:effectLst>
+            <a:outerShdw blurRad="40000" dist="20000" dir="5400000" rotWithShape="0">
+              <a:srgbClr val="000000">
+                <a:alpha val="38000"/>
+              </a:srgbClr>
+            </a:outerShdw>
+          </a:effectLst>
+        </a:effectStyle>
+        <a:effectStyle>
+          <a:effectLst>
+            <a:outerShdw blurRad="40000" dist="23000" dir="5400000" rotWithShape="0">
+              <a:srgbClr val="000000">
+                <a:alpha val="35000"/>
+              </a:srgbClr>
+            </a:outerShdw>
+          </a:effectLst>
+        </a:effectStyle>
+        <a:effectStyle>
+          <a:effectLst>
+            <a:outerShdw blurRad="40000" dist="23000" dir="5400000" rotWithShape="0">
+              <a:srgbClr val="000000">
+                <a:alpha val="35000"/>
+              </a:srgbClr>
+            </a:outerShdw>
+          </a:effectLst>
+          <a:scene3d>
+            <a:camera prst="orthographicFront">
+              <a:rot lat="0" lon="0" rev="0"/>
+            </a:camera>
+            <a:lightRig rig="threePt" dir="t">
+              <a:rot lat="0" lon="0" rev="1200000"/>
+            </a:lightRig>
+          </a:scene3d>
+          <a:sp3d>
+            <a:bevelT w="63500" h="25400"/>
+          </a:sp3d>
+        </a:effectStyle>
+      </a:effectStyleLst>
+      <a:bgFillStyleLst>
+        <a:solidFill>
+          <a:schemeClr val="phClr"/>
+        </a:solidFill>
+        <a:gradFill rotWithShape="1">
+          <a:gsLst>
+            <a:gs pos="0">
+              <a:schemeClr val="phClr">
+                <a:tint val="40000"/>
+                <a:satMod val="350000"/>
+              </a:schemeClr>
+            </a:gs>
+            <a:gs pos="40000">
+              <a:schemeClr val="phClr">
+                <a:tint val="45000"/>
+                <a:shade val="99000"/>
+                <a:satMod val="350000"/>
+              </a:schemeClr>
+            </a:gs>
+            <a:gs pos="100000">
+              <a:schemeClr val="phClr">
+                <a:shade val="20000"/>
+                <a:satMod val="255000"/>
+              </a:schemeClr>
+            </a:gs>
+          </a:gsLst>
+          <a:path path="circle">
+            <a:fillToRect l="50000" t="-80000" r="50000" b="180000"/>
+          </a:path>
+        </a:gradFill>
+        <a:gradFill rotWithShape="1">
+          <a:gsLst>
+            <a:gs pos="0">
+              <a:schemeClr val="phClr">
+                <a:tint val="80000"/>
+                <a:satMod val="300000"/>
+              </a:schemeClr>
+            </a:gs>
+            <a:gs pos="100000">
+              <a:schemeClr val="phClr">
+                <a:shade val="30000"/>
+                <a:satMod val="200000"/>
+              </a:schemeClr>
+            </a:gs>
+          </a:gsLst>
+          <a:path path="circle">
+            <a:fillToRect l="50000" t="50000" r="50000" b="50000"/>
+          </a:path>
+        </a:gradFill>
+      </a:bgFillStyleLst>
+    </a:fmtScheme>
+  </a:themeElements>
+  <a:objectDefaults/>
+  <a:extraClrSchemeLst/>
+</a:theme>
 </file>
--- a/문서/자료용 PPT/개요도.pptx
+++ b/문서/자료용 PPT/개요도.pptx
@@ -192,7 +192,7 @@
           <a:p>
             <a:fld id="{5CED86A3-970F-4C19-B2A2-6366369032A5}" type="datetimeFigureOut">
               <a:rPr lang="ko-KR" altLang="en-US" smtClean="0"/>
-              <a:t>2023-07-05</a:t>
+              <a:t>2023-09-06</a:t>
             </a:fld>
             <a:endParaRPr lang="ko-KR" altLang="en-US"/>
           </a:p>
@@ -725,7 +725,7 @@
           <a:p>
             <a:fld id="{1B31F98E-C47E-4CA9-AF61-CC16F78FD47B}" type="datetimeFigureOut">
               <a:rPr lang="ko-KR" altLang="en-US" smtClean="0"/>
-              <a:t>2023-07-05</a:t>
+              <a:t>2023-09-06</a:t>
             </a:fld>
             <a:endParaRPr lang="ko-KR" altLang="en-US"/>
           </a:p>
@@ -895,7 +895,7 @@
           <a:p>
             <a:fld id="{1B31F98E-C47E-4CA9-AF61-CC16F78FD47B}" type="datetimeFigureOut">
               <a:rPr lang="ko-KR" altLang="en-US" smtClean="0"/>
-              <a:t>2023-07-05</a:t>
+              <a:t>2023-09-06</a:t>
             </a:fld>
             <a:endParaRPr lang="ko-KR" altLang="en-US"/>
           </a:p>
@@ -1075,7 +1075,7 @@
           <a:p>
             <a:fld id="{1B31F98E-C47E-4CA9-AF61-CC16F78FD47B}" type="datetimeFigureOut">
               <a:rPr lang="ko-KR" altLang="en-US" smtClean="0"/>
-              <a:t>2023-07-05</a:t>
+              <a:t>2023-09-06</a:t>
             </a:fld>
             <a:endParaRPr lang="ko-KR" altLang="en-US"/>
           </a:p>
@@ -1245,7 +1245,7 @@
           <a:p>
             <a:fld id="{1B31F98E-C47E-4CA9-AF61-CC16F78FD47B}" type="datetimeFigureOut">
               <a:rPr lang="ko-KR" altLang="en-US" smtClean="0"/>
-              <a:t>2023-07-05</a:t>
+              <a:t>2023-09-06</a:t>
             </a:fld>
             <a:endParaRPr lang="ko-KR" altLang="en-US"/>
           </a:p>
@@ -1491,7 +1491,7 @@
           <a:p>
             <a:fld id="{1B31F98E-C47E-4CA9-AF61-CC16F78FD47B}" type="datetimeFigureOut">
               <a:rPr lang="ko-KR" altLang="en-US" smtClean="0"/>
-              <a:t>2023-07-05</a:t>
+              <a:t>2023-09-06</a:t>
             </a:fld>
             <a:endParaRPr lang="ko-KR" altLang="en-US"/>
           </a:p>
@@ -1779,7 +1779,7 @@
           <a:p>
             <a:fld id="{1B31F98E-C47E-4CA9-AF61-CC16F78FD47B}" type="datetimeFigureOut">
               <a:rPr lang="ko-KR" altLang="en-US" smtClean="0"/>
-              <a:t>2023-07-05</a:t>
+              <a:t>2023-09-06</a:t>
             </a:fld>
             <a:endParaRPr lang="ko-KR" altLang="en-US"/>
           </a:p>
@@ -2201,7 +2201,7 @@
           <a:p>
             <a:fld id="{1B31F98E-C47E-4CA9-AF61-CC16F78FD47B}" type="datetimeFigureOut">
               <a:rPr lang="ko-KR" altLang="en-US" smtClean="0"/>
-              <a:t>2023-07-05</a:t>
+              <a:t>2023-09-06</a:t>
             </a:fld>
             <a:endParaRPr lang="ko-KR" altLang="en-US"/>
           </a:p>
@@ -2319,7 +2319,7 @@
           <a:p>
             <a:fld id="{1B31F98E-C47E-4CA9-AF61-CC16F78FD47B}" type="datetimeFigureOut">
               <a:rPr lang="ko-KR" altLang="en-US" smtClean="0"/>
-              <a:t>2023-07-05</a:t>
+              <a:t>2023-09-06</a:t>
             </a:fld>
             <a:endParaRPr lang="ko-KR" altLang="en-US"/>
           </a:p>
@@ -2414,7 +2414,7 @@
           <a:p>
             <a:fld id="{1B31F98E-C47E-4CA9-AF61-CC16F78FD47B}" type="datetimeFigureOut">
               <a:rPr lang="ko-KR" altLang="en-US" smtClean="0"/>
-              <a:t>2023-07-05</a:t>
+              <a:t>2023-09-06</a:t>
             </a:fld>
             <a:endParaRPr lang="ko-KR" altLang="en-US"/>
           </a:p>
@@ -2691,7 +2691,7 @@
           <a:p>
             <a:fld id="{1B31F98E-C47E-4CA9-AF61-CC16F78FD47B}" type="datetimeFigureOut">
               <a:rPr lang="ko-KR" altLang="en-US" smtClean="0"/>
-              <a:t>2023-07-05</a:t>
+              <a:t>2023-09-06</a:t>
             </a:fld>
             <a:endParaRPr lang="ko-KR" altLang="en-US"/>
           </a:p>
@@ -2944,7 +2944,7 @@
           <a:p>
             <a:fld id="{1B31F98E-C47E-4CA9-AF61-CC16F78FD47B}" type="datetimeFigureOut">
               <a:rPr lang="ko-KR" altLang="en-US" smtClean="0"/>
-              <a:t>2023-07-05</a:t>
+              <a:t>2023-09-06</a:t>
             </a:fld>
             <a:endParaRPr lang="ko-KR" altLang="en-US"/>
           </a:p>
@@ -3157,7 +3157,7 @@
           <a:p>
             <a:fld id="{1B31F98E-C47E-4CA9-AF61-CC16F78FD47B}" type="datetimeFigureOut">
               <a:rPr lang="ko-KR" altLang="en-US" smtClean="0"/>
-              <a:t>2023-07-05</a:t>
+              <a:t>2023-09-06</a:t>
             </a:fld>
             <a:endParaRPr lang="ko-KR" altLang="en-US"/>
           </a:p>
@@ -3555,8 +3555,8 @@
         </p:blipFill>
         <p:spPr bwMode="auto">
           <a:xfrm>
-            <a:off x="5172284" y="5672008"/>
-            <a:ext cx="1848863" cy="1684452"/>
+            <a:off x="5472790" y="3590460"/>
+            <a:ext cx="1341632" cy="1284101"/>
           </a:xfrm>
           <a:prstGeom prst="rect">
             <a:avLst/>
@@ -3596,8 +3596,8 @@
         </p:blipFill>
         <p:spPr bwMode="auto">
           <a:xfrm>
-            <a:off x="-2774003" y="5599134"/>
-            <a:ext cx="1757326" cy="1757326"/>
+            <a:off x="342082" y="3632215"/>
+            <a:ext cx="1200593" cy="1200593"/>
           </a:xfrm>
           <a:prstGeom prst="rect">
             <a:avLst/>
@@ -3637,8 +3637,8 @@
         </p:blipFill>
         <p:spPr bwMode="auto">
           <a:xfrm>
-            <a:off x="9180650" y="5707589"/>
-            <a:ext cx="1584176" cy="1584176"/>
+            <a:off x="8135300" y="3555712"/>
+            <a:ext cx="1262020" cy="1191928"/>
           </a:xfrm>
           <a:prstGeom prst="rect">
             <a:avLst/>
@@ -3678,8 +3678,8 @@
         </p:blipFill>
         <p:spPr bwMode="auto">
           <a:xfrm>
-            <a:off x="1317009" y="5543606"/>
-            <a:ext cx="1872208" cy="1994336"/>
+            <a:off x="2771800" y="3437418"/>
+            <a:ext cx="1410724" cy="1565655"/>
           </a:xfrm>
           <a:prstGeom prst="rect">
             <a:avLst/>
@@ -3704,8 +3704,8 @@
         </p:nvSpPr>
         <p:spPr>
           <a:xfrm>
-            <a:off x="9406742" y="5119378"/>
-            <a:ext cx="1429953" cy="448872"/>
+            <a:off x="8086749" y="3068960"/>
+            <a:ext cx="1359121" cy="304856"/>
           </a:xfrm>
           <a:prstGeom prst="rect">
             <a:avLst/>
@@ -3741,30 +3741,14 @@
           <a:p>
             <a:pPr algn="ctr"/>
             <a:r>
-              <a:rPr lang="en-US" altLang="ko-KR" b="1" dirty="0" smtClean="0">
+              <a:rPr lang="en-US" altLang="ko-KR" sz="1400" b="1" dirty="0" smtClean="0">
                 <a:solidFill>
                   <a:schemeClr val="tx1"/>
                 </a:solidFill>
               </a:rPr>
-              <a:t>AI(</a:t>
-            </a:r>
-            <a:r>
-              <a:rPr lang="en-US" altLang="ko-KR" b="1" dirty="0" smtClean="0">
-                <a:solidFill>
-                  <a:schemeClr val="tx1"/>
-                </a:solidFill>
-              </a:rPr>
-              <a:t>PFAFN</a:t>
-            </a:r>
-            <a:r>
-              <a:rPr lang="en-US" altLang="ko-KR" b="1" dirty="0" smtClean="0">
-                <a:solidFill>
-                  <a:schemeClr val="tx1"/>
-                </a:solidFill>
-              </a:rPr>
-              <a:t>)</a:t>
-            </a:r>
-            <a:endParaRPr lang="ko-KR" altLang="en-US" b="1" dirty="0">
+              <a:t>AI(VITON-HD)</a:t>
+            </a:r>
+            <a:endParaRPr lang="ko-KR" altLang="en-US" sz="1400" b="1" dirty="0">
               <a:solidFill>
                 <a:schemeClr val="tx1"/>
               </a:solidFill>
@@ -3780,8 +3764,8 @@
         </p:nvSpPr>
         <p:spPr>
           <a:xfrm>
-            <a:off x="5219929" y="5039919"/>
-            <a:ext cx="1819309" cy="448872"/>
+            <a:off x="5383804" y="3060198"/>
+            <a:ext cx="1513024" cy="304856"/>
           </a:xfrm>
           <a:prstGeom prst="rect">
             <a:avLst/>
@@ -3817,7 +3801,7 @@
           <a:p>
             <a:pPr algn="ctr"/>
             <a:r>
-              <a:rPr lang="ko-KR" altLang="en-US" b="1" dirty="0" err="1" smtClean="0">
+              <a:rPr lang="ko-KR" altLang="en-US" sz="1400" b="1" dirty="0" err="1" smtClean="0">
                 <a:solidFill>
                   <a:schemeClr val="tx1"/>
                 </a:solidFill>
@@ -3825,30 +3809,14 @@
               <a:t>백엔드</a:t>
             </a:r>
             <a:r>
-              <a:rPr lang="en-US" altLang="ko-KR" b="1" dirty="0" smtClean="0">
+              <a:rPr lang="en-US" altLang="ko-KR" sz="1400" b="1" dirty="0" smtClean="0">
                 <a:solidFill>
                   <a:schemeClr val="tx1"/>
                 </a:solidFill>
               </a:rPr>
-              <a:t>(</a:t>
-            </a:r>
-            <a:r>
-              <a:rPr lang="en-US" altLang="ko-KR" b="1" dirty="0" smtClean="0">
-                <a:solidFill>
-                  <a:schemeClr val="tx1"/>
-                </a:solidFill>
-              </a:rPr>
-              <a:t>Spring</a:t>
-            </a:r>
-            <a:r>
-              <a:rPr lang="en-US" altLang="ko-KR" b="1" dirty="0" smtClean="0">
-                <a:solidFill>
-                  <a:schemeClr val="tx1"/>
-                </a:solidFill>
-              </a:rPr>
-              <a:t>)</a:t>
-            </a:r>
-            <a:endParaRPr lang="ko-KR" altLang="en-US" b="1" dirty="0">
+              <a:t>(Spring)</a:t>
+            </a:r>
+            <a:endParaRPr lang="ko-KR" altLang="en-US" sz="1400" b="1" dirty="0">
               <a:solidFill>
                 <a:schemeClr val="tx1"/>
               </a:solidFill>
@@ -3864,8 +3832,8 @@
         </p:nvSpPr>
         <p:spPr>
           <a:xfrm>
-            <a:off x="1399115" y="5039919"/>
-            <a:ext cx="1591878" cy="448872"/>
+            <a:off x="2747169" y="3060198"/>
+            <a:ext cx="1494120" cy="304856"/>
           </a:xfrm>
           <a:prstGeom prst="rect">
             <a:avLst/>
@@ -3901,14 +3869,22 @@
           <a:p>
             <a:pPr algn="ctr"/>
             <a:r>
-              <a:rPr lang="en-US" altLang="ko-KR" b="1" dirty="0" smtClean="0">
+              <a:rPr lang="en-US" altLang="ko-KR" sz="1400" b="1" dirty="0" smtClean="0">
                 <a:solidFill>
                   <a:schemeClr val="tx1"/>
                 </a:solidFill>
               </a:rPr>
-              <a:t>SPA(Angular)</a:t>
-            </a:r>
-            <a:endParaRPr lang="ko-KR" altLang="en-US" b="1" dirty="0">
+              <a:t>SPA(Angular</a:t>
+            </a:r>
+            <a:r>
+              <a:rPr lang="en-US" altLang="ko-KR" sz="1400" b="1" dirty="0" smtClean="0">
+                <a:solidFill>
+                  <a:schemeClr val="tx1"/>
+                </a:solidFill>
+              </a:rPr>
+              <a:t>)</a:t>
+            </a:r>
+            <a:endParaRPr lang="ko-KR" altLang="en-US" sz="1400" b="1" dirty="0">
               <a:solidFill>
                 <a:schemeClr val="tx1"/>
               </a:solidFill>
@@ -3924,8 +3900,8 @@
         </p:nvSpPr>
         <p:spPr>
           <a:xfrm>
-            <a:off x="-2691279" y="5039843"/>
-            <a:ext cx="1591878" cy="448872"/>
+            <a:off x="413861" y="3060198"/>
+            <a:ext cx="1057033" cy="304856"/>
           </a:xfrm>
           <a:prstGeom prst="rect">
             <a:avLst/>
@@ -3961,14 +3937,14 @@
           <a:p>
             <a:pPr algn="ctr"/>
             <a:r>
-              <a:rPr lang="ko-KR" altLang="en-US" b="1" dirty="0" smtClean="0">
+              <a:rPr lang="ko-KR" altLang="en-US" sz="1400" b="1" dirty="0" smtClean="0">
                 <a:solidFill>
                   <a:schemeClr val="tx1"/>
                 </a:solidFill>
               </a:rPr>
               <a:t>사용자</a:t>
             </a:r>
-            <a:endParaRPr lang="ko-KR" altLang="en-US" b="1" dirty="0">
+            <a:endParaRPr lang="ko-KR" altLang="en-US" sz="1400" b="1" dirty="0">
               <a:solidFill>
                 <a:schemeClr val="tx1"/>
               </a:solidFill>
@@ -3984,8 +3960,8 @@
         </p:nvSpPr>
         <p:spPr>
           <a:xfrm rot="10800000">
-            <a:off x="-738992" y="6362036"/>
-            <a:ext cx="1719751" cy="865658"/>
+            <a:off x="1662327" y="4224598"/>
+            <a:ext cx="868778" cy="425776"/>
           </a:xfrm>
           <a:prstGeom prst="rightArrow">
             <a:avLst>
@@ -4023,7 +3999,7 @@
           <a:lstStyle/>
           <a:p>
             <a:pPr algn="ctr"/>
-            <a:endParaRPr lang="ko-KR" altLang="en-US" b="1" dirty="0">
+            <a:endParaRPr lang="ko-KR" altLang="en-US" sz="1400" b="1" dirty="0">
               <a:solidFill>
                 <a:schemeClr val="tx1"/>
               </a:solidFill>
@@ -4039,8 +4015,8 @@
         </p:nvSpPr>
         <p:spPr>
           <a:xfrm rot="10800000">
-            <a:off x="-713476" y="5502858"/>
-            <a:ext cx="1719751" cy="899909"/>
+            <a:off x="1691680" y="3734390"/>
+            <a:ext cx="868778" cy="442623"/>
           </a:xfrm>
           <a:prstGeom prst="leftArrow">
             <a:avLst>
@@ -4078,7 +4054,7 @@
           <a:lstStyle/>
           <a:p>
             <a:pPr algn="ctr"/>
-            <a:endParaRPr lang="ko-KR" altLang="en-US" b="1" dirty="0">
+            <a:endParaRPr lang="ko-KR" altLang="en-US" sz="1400" b="1" dirty="0">
               <a:solidFill>
                 <a:schemeClr val="tx1"/>
               </a:solidFill>
@@ -4086,16 +4062,262 @@
           </a:p>
         </p:txBody>
       </p:sp>
-      <p:sp>
-        <p:nvSpPr>
-          <p:cNvPr id="27" name="오른쪽 화살표 26"/>
+      <p:pic>
+        <p:nvPicPr>
+          <p:cNvPr id="2" name="Picture 2" descr="C:\Users\user\Desktop\asd.png"/>
+          <p:cNvPicPr>
+            <a:picLocks noChangeAspect="1" noChangeArrowheads="1"/>
+          </p:cNvPicPr>
+          <p:nvPr/>
+        </p:nvPicPr>
+        <p:blipFill>
+          <a:blip r:embed="rId7">
+            <a:extLst>
+              <a:ext uri="{28A0092B-C50C-407E-A947-70E740481C1C}">
+                <a14:useLocalDpi xmlns:a14="http://schemas.microsoft.com/office/drawing/2010/main" val="0"/>
+              </a:ext>
+            </a:extLst>
+          </a:blip>
+          <a:srcRect/>
+          <a:stretch>
+            <a:fillRect/>
+          </a:stretch>
+        </p:blipFill>
+        <p:spPr bwMode="auto">
+          <a:xfrm>
+            <a:off x="5556225" y="548680"/>
+            <a:ext cx="1152128" cy="1180596"/>
+          </a:xfrm>
+          <a:prstGeom prst="rect">
+            <a:avLst/>
+          </a:prstGeom>
+          <a:noFill/>
+          <a:extLst>
+            <a:ext uri="{909E8E84-426E-40DD-AFC4-6F175D3DCCD1}">
+              <a14:hiddenFill xmlns:a14="http://schemas.microsoft.com/office/drawing/2010/main">
+                <a:solidFill>
+                  <a:srgbClr val="FFFFFF"/>
+                </a:solidFill>
+              </a14:hiddenFill>
+            </a:ext>
+          </a:extLst>
+        </p:spPr>
+      </p:pic>
+      <p:sp>
+        <p:nvSpPr>
+          <p:cNvPr id="49" name="직사각형 48"/>
           <p:cNvSpPr/>
           <p:nvPr/>
         </p:nvSpPr>
         <p:spPr>
+          <a:xfrm>
+            <a:off x="5483482" y="-99392"/>
+            <a:ext cx="1297615" cy="425372"/>
+          </a:xfrm>
+          <a:prstGeom prst="rect">
+            <a:avLst/>
+          </a:prstGeom>
+          <a:solidFill>
+            <a:schemeClr val="bg1"/>
+          </a:solidFill>
+          <a:ln>
+            <a:solidFill>
+              <a:schemeClr val="tx1"/>
+            </a:solidFill>
+          </a:ln>
+        </p:spPr>
+        <p:style>
+          <a:lnRef idx="2">
+            <a:schemeClr val="accent1">
+              <a:shade val="50000"/>
+            </a:schemeClr>
+          </a:lnRef>
+          <a:fillRef idx="1">
+            <a:schemeClr val="accent1"/>
+          </a:fillRef>
+          <a:effectRef idx="0">
+            <a:schemeClr val="accent1"/>
+          </a:effectRef>
+          <a:fontRef idx="minor">
+            <a:schemeClr val="lt1"/>
+          </a:fontRef>
+        </p:style>
+        <p:txBody>
+          <a:bodyPr rtlCol="0" anchor="ctr"/>
+          <a:lstStyle/>
+          <a:p>
+            <a:pPr algn="ctr"/>
+            <a:r>
+              <a:rPr lang="en-US" altLang="ko-KR" sz="1400" b="1" dirty="0" smtClean="0">
+                <a:solidFill>
+                  <a:schemeClr val="tx1"/>
+                </a:solidFill>
+              </a:rPr>
+              <a:t>GSA(google search API)</a:t>
+            </a:r>
+            <a:endParaRPr lang="ko-KR" altLang="en-US" sz="1400" b="1" dirty="0">
+              <a:solidFill>
+                <a:schemeClr val="tx1"/>
+              </a:solidFill>
+            </a:endParaRPr>
+          </a:p>
+        </p:txBody>
+      </p:sp>
+      <p:sp>
+        <p:nvSpPr>
+          <p:cNvPr id="50" name="직사각형 49"/>
+          <p:cNvSpPr/>
+          <p:nvPr/>
+        </p:nvSpPr>
+        <p:spPr>
+          <a:xfrm>
+            <a:off x="1704692" y="3077986"/>
+            <a:ext cx="842752" cy="512474"/>
+          </a:xfrm>
+          <a:prstGeom prst="rect">
+            <a:avLst/>
+          </a:prstGeom>
+          <a:solidFill>
+            <a:schemeClr val="bg1"/>
+          </a:solidFill>
+          <a:ln>
+            <a:solidFill>
+              <a:schemeClr val="tx1"/>
+            </a:solidFill>
+          </a:ln>
+        </p:spPr>
+        <p:style>
+          <a:lnRef idx="2">
+            <a:schemeClr val="accent1">
+              <a:shade val="50000"/>
+            </a:schemeClr>
+          </a:lnRef>
+          <a:fillRef idx="1">
+            <a:schemeClr val="accent1"/>
+          </a:fillRef>
+          <a:effectRef idx="0">
+            <a:schemeClr val="accent1"/>
+          </a:effectRef>
+          <a:fontRef idx="minor">
+            <a:schemeClr val="lt1"/>
+          </a:fontRef>
+        </p:style>
+        <p:txBody>
+          <a:bodyPr rtlCol="0" anchor="ctr"/>
+          <a:lstStyle/>
+          <a:p>
+            <a:pPr algn="ctr"/>
+            <a:r>
+              <a:rPr lang="ko-KR" altLang="en-US" sz="1000" b="1" dirty="0" smtClean="0">
+                <a:solidFill>
+                  <a:schemeClr val="tx1"/>
+                </a:solidFill>
+              </a:rPr>
+              <a:t>모델 </a:t>
+            </a:r>
+            <a:r>
+              <a:rPr lang="ko-KR" altLang="en-US" sz="1000" b="1" dirty="0" smtClean="0">
+                <a:solidFill>
+                  <a:schemeClr val="tx1"/>
+                </a:solidFill>
+              </a:rPr>
+              <a:t>사진</a:t>
+            </a:r>
+            <a:r>
+              <a:rPr lang="en-US" altLang="ko-KR" sz="1000" b="1" dirty="0" smtClean="0">
+                <a:solidFill>
+                  <a:schemeClr val="tx1"/>
+                </a:solidFill>
+              </a:rPr>
+              <a:t>,</a:t>
+            </a:r>
+          </a:p>
+          <a:p>
+            <a:pPr algn="ctr"/>
+            <a:r>
+              <a:rPr lang="ko-KR" altLang="en-US" sz="1000" b="1" dirty="0" smtClean="0">
+                <a:solidFill>
+                  <a:schemeClr val="tx1"/>
+                </a:solidFill>
+              </a:rPr>
+              <a:t>의류 사진</a:t>
+            </a:r>
+            <a:r>
+              <a:rPr lang="en-US" altLang="ko-KR" sz="1000" b="1" dirty="0" smtClean="0">
+                <a:solidFill>
+                  <a:schemeClr val="tx1"/>
+                </a:solidFill>
+              </a:rPr>
+              <a:t>,</a:t>
+            </a:r>
+          </a:p>
+          <a:p>
+            <a:pPr algn="ctr"/>
+            <a:r>
+              <a:rPr lang="ko-KR" altLang="en-US" sz="1000" b="1" dirty="0" err="1" smtClean="0">
+                <a:solidFill>
+                  <a:schemeClr val="tx1"/>
+                </a:solidFill>
+              </a:rPr>
+              <a:t>검색어</a:t>
+            </a:r>
+            <a:endParaRPr lang="ko-KR" altLang="en-US" sz="1000" b="1" dirty="0">
+              <a:solidFill>
+                <a:schemeClr val="tx1"/>
+              </a:solidFill>
+            </a:endParaRPr>
+          </a:p>
+        </p:txBody>
+      </p:sp>
+      <p:pic>
+        <p:nvPicPr>
+          <p:cNvPr id="38" name="그래픽 10">
+            <a:extLst>
+              <a:ext uri="{FF2B5EF4-FFF2-40B4-BE49-F238E27FC236}">
+                <a16:creationId xmlns:a16="http://schemas.microsoft.com/office/drawing/2014/main" xmlns="" id="{41098F67-575E-44B3-3366-8353E20B3910}"/>
+              </a:ext>
+            </a:extLst>
+          </p:cNvPr>
+          <p:cNvPicPr>
+            <a:picLocks noChangeAspect="1"/>
+          </p:cNvPicPr>
+          <p:nvPr/>
+        </p:nvPicPr>
+        <p:blipFill>
+          <a:blip r:embed="rId8" cstate="screen">
+            <a:extLst>
+              <a:ext uri="{28A0092B-C50C-407E-A947-70E740481C1C}">
+                <a14:useLocalDpi xmlns:a14="http://schemas.microsoft.com/office/drawing/2010/main" val="0"/>
+              </a:ext>
+              <a:ext uri="{96DAC541-7B7A-43D3-8B79-37D633B846F1}">
+                <asvg:svgBlip xmlns:asvg="http://schemas.microsoft.com/office/drawing/2016/SVG/main" xmlns="" r:embed="rId9"/>
+              </a:ext>
+            </a:extLst>
+          </a:blip>
+          <a:stretch>
+            <a:fillRect/>
+          </a:stretch>
+        </p:blipFill>
+        <p:spPr>
+          <a:xfrm>
+            <a:off x="3065004" y="3918998"/>
+            <a:ext cx="824315" cy="895995"/>
+          </a:xfrm>
+          <a:prstGeom prst="rect">
+            <a:avLst/>
+          </a:prstGeom>
+        </p:spPr>
+      </p:pic>
+      <p:sp>
+        <p:nvSpPr>
+          <p:cNvPr id="42" name="오른쪽 화살표 41"/>
+          <p:cNvSpPr/>
+          <p:nvPr/>
+        </p:nvSpPr>
+        <p:spPr>
           <a:xfrm rot="10800000">
-            <a:off x="3376097" y="6381015"/>
-            <a:ext cx="1719751" cy="865658"/>
+            <a:off x="4382564" y="4187894"/>
+            <a:ext cx="868778" cy="425776"/>
           </a:xfrm>
           <a:prstGeom prst="rightArrow">
             <a:avLst>
@@ -4133,7 +4355,7 @@
           <a:lstStyle/>
           <a:p>
             <a:pPr algn="ctr"/>
-            <a:endParaRPr lang="ko-KR" altLang="en-US" b="1" dirty="0">
+            <a:endParaRPr lang="ko-KR" altLang="en-US" sz="1400" b="1" dirty="0">
               <a:solidFill>
                 <a:schemeClr val="tx1"/>
               </a:solidFill>
@@ -4143,14 +4365,14 @@
       </p:sp>
       <p:sp>
         <p:nvSpPr>
-          <p:cNvPr id="28" name="왼쪽 화살표 27"/>
+          <p:cNvPr id="43" name="왼쪽 화살표 42"/>
           <p:cNvSpPr/>
           <p:nvPr/>
         </p:nvSpPr>
         <p:spPr>
           <a:xfrm rot="10800000">
-            <a:off x="3346100" y="5488791"/>
-            <a:ext cx="1719751" cy="899909"/>
+            <a:off x="4411917" y="3697686"/>
+            <a:ext cx="868778" cy="442623"/>
           </a:xfrm>
           <a:prstGeom prst="leftArrow">
             <a:avLst>
@@ -4188,7 +4410,7 @@
           <a:lstStyle/>
           <a:p>
             <a:pPr algn="ctr"/>
-            <a:endParaRPr lang="ko-KR" altLang="en-US" b="1" dirty="0">
+            <a:endParaRPr lang="ko-KR" altLang="en-US" sz="1400" b="1" dirty="0">
               <a:solidFill>
                 <a:schemeClr val="tx1"/>
               </a:solidFill>
@@ -4198,14 +4420,14 @@
       </p:sp>
       <p:sp>
         <p:nvSpPr>
-          <p:cNvPr id="36" name="오른쪽 화살표 35"/>
+          <p:cNvPr id="44" name="오른쪽 화살표 43"/>
           <p:cNvSpPr/>
           <p:nvPr/>
         </p:nvSpPr>
         <p:spPr>
           <a:xfrm rot="10800000">
-            <a:off x="7355936" y="6408116"/>
-            <a:ext cx="1719751" cy="865658"/>
+            <a:off x="7019799" y="4187894"/>
+            <a:ext cx="868778" cy="425776"/>
           </a:xfrm>
           <a:prstGeom prst="rightArrow">
             <a:avLst>
@@ -4243,7 +4465,7 @@
           <a:lstStyle/>
           <a:p>
             <a:pPr algn="ctr"/>
-            <a:endParaRPr lang="ko-KR" altLang="en-US" b="1" dirty="0">
+            <a:endParaRPr lang="ko-KR" altLang="en-US" sz="1400" b="1" dirty="0">
               <a:solidFill>
                 <a:schemeClr val="tx1"/>
               </a:solidFill>
@@ -4253,14 +4475,14 @@
       </p:sp>
       <p:sp>
         <p:nvSpPr>
-          <p:cNvPr id="41" name="왼쪽 화살표 40"/>
+          <p:cNvPr id="45" name="왼쪽 화살표 44"/>
           <p:cNvSpPr/>
           <p:nvPr/>
         </p:nvSpPr>
         <p:spPr>
           <a:xfrm rot="10800000">
-            <a:off x="7331344" y="5488715"/>
-            <a:ext cx="1719751" cy="899909"/>
+            <a:off x="7049152" y="3697686"/>
+            <a:ext cx="868778" cy="442623"/>
           </a:xfrm>
           <a:prstGeom prst="leftArrow">
             <a:avLst>
@@ -4298,7 +4520,7 @@
           <a:lstStyle/>
           <a:p>
             <a:pPr algn="ctr"/>
-            <a:endParaRPr lang="ko-KR" altLang="en-US" b="1" dirty="0">
+            <a:endParaRPr lang="ko-KR" altLang="en-US" sz="1400" b="1" dirty="0">
               <a:solidFill>
                 <a:schemeClr val="tx1"/>
               </a:solidFill>
@@ -4306,57 +4528,16 @@
           </a:p>
         </p:txBody>
       </p:sp>
-      <p:pic>
-        <p:nvPicPr>
-          <p:cNvPr id="2" name="Picture 2" descr="C:\Users\user\Desktop\asd.png"/>
-          <p:cNvPicPr>
-            <a:picLocks noChangeAspect="1" noChangeArrowheads="1"/>
-          </p:cNvPicPr>
-          <p:nvPr/>
-        </p:nvPicPr>
-        <p:blipFill>
-          <a:blip r:embed="rId7">
-            <a:extLst>
-              <a:ext uri="{28A0092B-C50C-407E-A947-70E740481C1C}">
-                <a14:useLocalDpi xmlns:a14="http://schemas.microsoft.com/office/drawing/2010/main" val="0"/>
-              </a:ext>
-            </a:extLst>
-          </a:blip>
-          <a:srcRect/>
-          <a:stretch>
-            <a:fillRect/>
-          </a:stretch>
-        </p:blipFill>
-        <p:spPr bwMode="auto">
-          <a:xfrm>
-            <a:off x="5310048" y="836712"/>
-            <a:ext cx="1639069" cy="1639069"/>
-          </a:xfrm>
-          <a:prstGeom prst="rect">
-            <a:avLst/>
-          </a:prstGeom>
-          <a:noFill/>
-          <a:extLst>
-            <a:ext uri="{909E8E84-426E-40DD-AFC4-6F175D3DCCD1}">
-              <a14:hiddenFill xmlns:a14="http://schemas.microsoft.com/office/drawing/2010/main">
-                <a:solidFill>
-                  <a:srgbClr val="FFFFFF"/>
-                </a:solidFill>
-              </a14:hiddenFill>
-            </a:ext>
-          </a:extLst>
-        </p:spPr>
-      </p:pic>
-      <p:sp>
-        <p:nvSpPr>
-          <p:cNvPr id="47" name="오른쪽 화살표 46"/>
+      <p:sp>
+        <p:nvSpPr>
+          <p:cNvPr id="46" name="오른쪽 화살표 45"/>
           <p:cNvSpPr/>
           <p:nvPr/>
         </p:nvSpPr>
         <p:spPr>
           <a:xfrm rot="5400000">
-            <a:off x="5836950" y="3250169"/>
-            <a:ext cx="1719751" cy="865658"/>
+            <a:off x="5937811" y="2187719"/>
+            <a:ext cx="868778" cy="425776"/>
           </a:xfrm>
           <a:prstGeom prst="rightArrow">
             <a:avLst>
@@ -4394,7 +4575,7 @@
           <a:lstStyle/>
           <a:p>
             <a:pPr algn="ctr"/>
-            <a:endParaRPr lang="ko-KR" altLang="en-US" b="1" dirty="0">
+            <a:endParaRPr lang="ko-KR" altLang="en-US" sz="1400" b="1" dirty="0">
               <a:solidFill>
                 <a:schemeClr val="tx1"/>
               </a:solidFill>
@@ -4404,14 +4585,14 @@
       </p:sp>
       <p:sp>
         <p:nvSpPr>
-          <p:cNvPr id="48" name="왼쪽 화살표 47"/>
+          <p:cNvPr id="60" name="왼쪽 화살표 59"/>
           <p:cNvSpPr/>
           <p:nvPr/>
         </p:nvSpPr>
         <p:spPr>
           <a:xfrm rot="5400000">
-            <a:off x="4954167" y="3217105"/>
-            <a:ext cx="1719751" cy="899909"/>
+            <a:off x="5463934" y="2145677"/>
+            <a:ext cx="868778" cy="442623"/>
           </a:xfrm>
           <a:prstGeom prst="leftArrow">
             <a:avLst>
@@ -4449,7 +4630,7 @@
           <a:lstStyle/>
           <a:p>
             <a:pPr algn="ctr"/>
-            <a:endParaRPr lang="ko-KR" altLang="en-US" b="1" dirty="0">
+            <a:endParaRPr lang="ko-KR" altLang="en-US" sz="1400" b="1" dirty="0">
               <a:solidFill>
                 <a:schemeClr val="tx1"/>
               </a:solidFill>
@@ -4459,14 +4640,14 @@
       </p:sp>
       <p:sp>
         <p:nvSpPr>
-          <p:cNvPr id="49" name="직사각형 48"/>
+          <p:cNvPr id="61" name="직사각형 60"/>
           <p:cNvSpPr/>
           <p:nvPr/>
         </p:nvSpPr>
         <p:spPr>
           <a:xfrm>
-            <a:off x="5219927" y="116632"/>
-            <a:ext cx="1819309" cy="448872"/>
+            <a:off x="4395576" y="3077986"/>
+            <a:ext cx="842752" cy="512474"/>
           </a:xfrm>
           <a:prstGeom prst="rect">
             <a:avLst/>
@@ -4502,22 +4683,60 @@
           <a:p>
             <a:pPr algn="ctr"/>
             <a:r>
-              <a:rPr lang="ko-KR" altLang="en-US" b="1" dirty="0" err="1" smtClean="0">
+              <a:rPr lang="ko-KR" altLang="en-US" sz="1000" b="1" dirty="0" smtClean="0">
                 <a:solidFill>
                   <a:schemeClr val="tx1"/>
                 </a:solidFill>
               </a:rPr>
-              <a:t>구글</a:t>
-            </a:r>
-            <a:r>
-              <a:rPr lang="ko-KR" altLang="en-US" b="1" dirty="0" smtClean="0">
+              <a:t>모델 </a:t>
+            </a:r>
+            <a:r>
+              <a:rPr lang="ko-KR" altLang="en-US" sz="1000" b="1" dirty="0" smtClean="0">
                 <a:solidFill>
                   <a:schemeClr val="tx1"/>
                 </a:solidFill>
               </a:rPr>
-              <a:t> 렌즈</a:t>
-            </a:r>
-            <a:endParaRPr lang="ko-KR" altLang="en-US" b="1" dirty="0">
+              <a:t>사진</a:t>
+            </a:r>
+            <a:r>
+              <a:rPr lang="en-US" altLang="ko-KR" sz="1000" b="1" dirty="0" smtClean="0">
+                <a:solidFill>
+                  <a:schemeClr val="tx1"/>
+                </a:solidFill>
+              </a:rPr>
+              <a:t>,</a:t>
+            </a:r>
+          </a:p>
+          <a:p>
+            <a:pPr algn="ctr"/>
+            <a:r>
+              <a:rPr lang="ko-KR" altLang="en-US" sz="1000" b="1" dirty="0" smtClean="0">
+                <a:solidFill>
+                  <a:schemeClr val="tx1"/>
+                </a:solidFill>
+              </a:rPr>
+              <a:t>의류 사진</a:t>
+            </a:r>
+            <a:r>
+              <a:rPr lang="en-US" altLang="ko-KR" sz="1000" b="1" dirty="0" smtClean="0">
+                <a:solidFill>
+                  <a:schemeClr val="tx1"/>
+                </a:solidFill>
+              </a:rPr>
+              <a:t>,</a:t>
+            </a:r>
+          </a:p>
+          <a:p>
+            <a:pPr algn="ctr"/>
+            <a:r>
+              <a:rPr lang="ko-KR" altLang="en-US" sz="1000" b="1" dirty="0" err="1" smtClean="0">
+                <a:solidFill>
+                  <a:schemeClr val="tx1"/>
+                </a:solidFill>
+              </a:rPr>
+              <a:t>검색어</a:t>
+            </a:r>
+            <a:endParaRPr lang="ko-KR" altLang="en-US" sz="1000" b="1" dirty="0">
               <a:solidFill>
                 <a:schemeClr val="tx1"/>
               </a:solidFill>
@@ -4527,14 +4746,14 @@
       </p:sp>
       <p:sp>
         <p:nvSpPr>
-          <p:cNvPr id="50" name="직사각형 49"/>
+          <p:cNvPr id="62" name="직사각형 61"/>
           <p:cNvSpPr/>
           <p:nvPr/>
         </p:nvSpPr>
         <p:spPr>
           <a:xfrm>
-            <a:off x="-768659" y="4555573"/>
-            <a:ext cx="1819309" cy="864091"/>
+            <a:off x="7062164" y="3128810"/>
+            <a:ext cx="842752" cy="410826"/>
           </a:xfrm>
           <a:prstGeom prst="rect">
             <a:avLst/>
@@ -4570,15 +4789,23 @@
           <a:p>
             <a:pPr algn="ctr"/>
             <a:r>
-              <a:rPr lang="ko-KR" altLang="en-US" b="1" dirty="0" smtClean="0">
+              <a:rPr lang="ko-KR" altLang="en-US" sz="1000" b="1" dirty="0" smtClean="0">
                 <a:solidFill>
                   <a:schemeClr val="tx1"/>
                 </a:solidFill>
               </a:rPr>
-              <a:t>고객 사진</a:t>
-            </a:r>
-            <a:r>
-              <a:rPr lang="en-US" altLang="ko-KR" b="1" dirty="0" smtClean="0">
+              <a:t>모델 </a:t>
+            </a:r>
+            <a:r>
+              <a:rPr lang="ko-KR" altLang="en-US" sz="1000" b="1" dirty="0" smtClean="0">
+                <a:solidFill>
+                  <a:schemeClr val="tx1"/>
+                </a:solidFill>
+              </a:rPr>
+              <a:t>사진</a:t>
+            </a:r>
+            <a:r>
+              <a:rPr lang="en-US" altLang="ko-KR" sz="1000" b="1" dirty="0" smtClean="0">
                 <a:solidFill>
                   <a:schemeClr val="tx1"/>
                 </a:solidFill>
@@ -4589,14 +4816,14 @@
           <a:p>
             <a:pPr algn="ctr"/>
             <a:r>
-              <a:rPr lang="ko-KR" altLang="en-US" b="1" dirty="0" smtClean="0">
+              <a:rPr lang="ko-KR" altLang="en-US" sz="1000" b="1" dirty="0" smtClean="0">
                 <a:solidFill>
                   <a:schemeClr val="tx1"/>
                 </a:solidFill>
               </a:rPr>
               <a:t>의류 사진</a:t>
             </a:r>
-            <a:endParaRPr lang="ko-KR" altLang="en-US" b="1" dirty="0">
+            <a:endParaRPr lang="ko-KR" altLang="en-US" sz="1000" b="1" dirty="0">
               <a:solidFill>
                 <a:schemeClr val="tx1"/>
               </a:solidFill>
@@ -4606,14 +4833,14 @@
       </p:sp>
       <p:sp>
         <p:nvSpPr>
-          <p:cNvPr id="51" name="직사각형 50"/>
+          <p:cNvPr id="63" name="직사각형 62"/>
           <p:cNvSpPr/>
           <p:nvPr/>
         </p:nvSpPr>
         <p:spPr>
           <a:xfrm>
-            <a:off x="3243628" y="4555573"/>
-            <a:ext cx="1819309" cy="864091"/>
+            <a:off x="4691274" y="2195194"/>
+            <a:ext cx="842752" cy="410826"/>
           </a:xfrm>
           <a:prstGeom prst="rect">
             <a:avLst/>
@@ -4649,33 +4876,14 @@
           <a:p>
             <a:pPr algn="ctr"/>
             <a:r>
-              <a:rPr lang="ko-KR" altLang="en-US" b="1" dirty="0" smtClean="0">
+              <a:rPr lang="ko-KR" altLang="en-US" sz="1000" b="1" dirty="0" err="1" smtClean="0">
                 <a:solidFill>
                   <a:schemeClr val="tx1"/>
                 </a:solidFill>
               </a:rPr>
-              <a:t>고객 사진</a:t>
-            </a:r>
-            <a:r>
-              <a:rPr lang="en-US" altLang="ko-KR" b="1" dirty="0" smtClean="0">
-                <a:solidFill>
-                  <a:schemeClr val="tx1"/>
-                </a:solidFill>
-              </a:rPr>
-              <a:t>,</a:t>
-            </a:r>
-          </a:p>
-          <a:p>
-            <a:pPr algn="ctr"/>
-            <a:r>
-              <a:rPr lang="ko-KR" altLang="en-US" b="1" dirty="0" smtClean="0">
-                <a:solidFill>
-                  <a:schemeClr val="tx1"/>
-                </a:solidFill>
-              </a:rPr>
-              <a:t>의류 사진</a:t>
-            </a:r>
-            <a:endParaRPr lang="ko-KR" altLang="en-US" b="1" dirty="0">
+              <a:t>검색어</a:t>
+            </a:r>
+            <a:endParaRPr lang="ko-KR" altLang="en-US" sz="1000" b="1" dirty="0">
               <a:solidFill>
                 <a:schemeClr val="tx1"/>
               </a:solidFill>
@@ -4685,14 +4893,14 @@
       </p:sp>
       <p:sp>
         <p:nvSpPr>
-          <p:cNvPr id="52" name="직사각형 51"/>
+          <p:cNvPr id="64" name="직사각형 63"/>
           <p:cNvSpPr/>
           <p:nvPr/>
         </p:nvSpPr>
         <p:spPr>
           <a:xfrm>
-            <a:off x="7306158" y="4558685"/>
-            <a:ext cx="1819309" cy="864091"/>
+            <a:off x="6708353" y="2161574"/>
+            <a:ext cx="842752" cy="410826"/>
           </a:xfrm>
           <a:prstGeom prst="rect">
             <a:avLst/>
@@ -4728,33 +4936,30 @@
           <a:p>
             <a:pPr algn="ctr"/>
             <a:r>
-              <a:rPr lang="ko-KR" altLang="en-US" b="1" dirty="0" smtClean="0">
+              <a:rPr lang="ko-KR" altLang="en-US" sz="1000" b="1" dirty="0" smtClean="0">
                 <a:solidFill>
                   <a:schemeClr val="tx1"/>
                 </a:solidFill>
               </a:rPr>
-              <a:t>고객 사진</a:t>
-            </a:r>
-            <a:r>
-              <a:rPr lang="en-US" altLang="ko-KR" b="1" dirty="0" smtClean="0">
+              <a:t>의</a:t>
+            </a:r>
+            <a:r>
+              <a:rPr lang="ko-KR" altLang="en-US" sz="1000" b="1" dirty="0">
                 <a:solidFill>
                   <a:schemeClr val="tx1"/>
                 </a:solidFill>
               </a:rPr>
-              <a:t>,</a:t>
-            </a:r>
-          </a:p>
-          <a:p>
-            <a:pPr algn="ctr"/>
-            <a:r>
-              <a:rPr lang="ko-KR" altLang="en-US" b="1" dirty="0" smtClean="0">
+              <a:t>류</a:t>
+            </a:r>
+            <a:r>
+              <a:rPr lang="ko-KR" altLang="en-US" sz="1000" b="1" dirty="0" smtClean="0">
                 <a:solidFill>
                   <a:schemeClr val="tx1"/>
                 </a:solidFill>
               </a:rPr>
-              <a:t>의류 사진</a:t>
-            </a:r>
-            <a:endParaRPr lang="ko-KR" altLang="en-US" b="1" dirty="0">
+              <a:t> 사진</a:t>
+            </a:r>
+            <a:endParaRPr lang="ko-KR" altLang="en-US" sz="1000" b="1" dirty="0">
               <a:solidFill>
                 <a:schemeClr val="tx1"/>
               </a:solidFill>
@@ -4764,14 +4969,14 @@
       </p:sp>
       <p:sp>
         <p:nvSpPr>
-          <p:cNvPr id="53" name="직사각형 52"/>
+          <p:cNvPr id="67" name="직사각형 66"/>
           <p:cNvSpPr/>
           <p:nvPr/>
         </p:nvSpPr>
         <p:spPr>
           <a:xfrm>
-            <a:off x="7281564" y="7357384"/>
-            <a:ext cx="1819309" cy="864091"/>
+            <a:off x="4395576" y="4772125"/>
+            <a:ext cx="842752" cy="512474"/>
           </a:xfrm>
           <a:prstGeom prst="rect">
             <a:avLst/>
@@ -4807,55 +5012,79 @@
           <a:p>
             <a:pPr algn="ctr"/>
             <a:r>
-              <a:rPr lang="ko-KR" altLang="en-US" b="1" dirty="0" smtClean="0">
+              <a:rPr lang="ko-KR" altLang="en-US" sz="1000" b="1" dirty="0" err="1" smtClean="0">
                 <a:solidFill>
                   <a:schemeClr val="tx1"/>
                 </a:solidFill>
               </a:rPr>
-              <a:t>가상 </a:t>
-            </a:r>
-            <a:r>
-              <a:rPr lang="ko-KR" altLang="en-US" b="1" dirty="0" err="1" smtClean="0">
+              <a:t>가상피팅된</a:t>
+            </a:r>
+            <a:r>
+              <a:rPr lang="ko-KR" altLang="en-US" sz="1000" b="1" dirty="0" smtClean="0">
                 <a:solidFill>
                   <a:schemeClr val="tx1"/>
                 </a:solidFill>
               </a:rPr>
-              <a:t>피팅된</a:t>
-            </a:r>
-            <a:endParaRPr lang="en-US" altLang="ko-KR" b="1" dirty="0" smtClean="0">
+              <a:t> 모델 </a:t>
+            </a:r>
+            <a:r>
+              <a:rPr lang="ko-KR" altLang="en-US" sz="1000" b="1" dirty="0" smtClean="0">
+                <a:solidFill>
+                  <a:schemeClr val="tx1"/>
+                </a:solidFill>
+              </a:rPr>
+              <a:t>사진</a:t>
+            </a:r>
+            <a:r>
+              <a:rPr lang="en-US" altLang="ko-KR" sz="1000" b="1" dirty="0" smtClean="0">
+                <a:solidFill>
+                  <a:schemeClr val="tx1"/>
+                </a:solidFill>
+              </a:rPr>
+              <a:t>, </a:t>
+            </a:r>
+            <a:r>
+              <a:rPr lang="ko-KR" altLang="en-US" sz="1000" b="1" dirty="0" smtClean="0">
+                <a:solidFill>
+                  <a:schemeClr val="tx1"/>
+                </a:solidFill>
+              </a:rPr>
+              <a:t>의류 </a:t>
+            </a:r>
+            <a:r>
+              <a:rPr lang="ko-KR" altLang="en-US" sz="1000" b="1" dirty="0" smtClean="0">
+                <a:solidFill>
+                  <a:schemeClr val="tx1"/>
+                </a:solidFill>
+              </a:rPr>
+              <a:t>사</a:t>
+            </a:r>
+            <a:r>
+              <a:rPr lang="ko-KR" altLang="en-US" sz="1000" b="1" dirty="0">
+                <a:solidFill>
+                  <a:schemeClr val="tx1"/>
+                </a:solidFill>
+              </a:rPr>
+              <a:t>진</a:t>
+            </a:r>
+            <a:endParaRPr lang="en-US" altLang="ko-KR" sz="1000" b="1" dirty="0" smtClean="0">
               <a:solidFill>
                 <a:schemeClr val="tx1"/>
               </a:solidFill>
             </a:endParaRPr>
           </a:p>
-          <a:p>
-            <a:pPr algn="ctr"/>
-            <a:r>
-              <a:rPr lang="ko-KR" altLang="en-US" b="1" dirty="0" smtClean="0">
-                <a:solidFill>
-                  <a:schemeClr val="tx1"/>
-                </a:solidFill>
-              </a:rPr>
-              <a:t> 고객의 이미지</a:t>
-            </a:r>
-            <a:endParaRPr lang="ko-KR" altLang="en-US" b="1" dirty="0">
-              <a:solidFill>
-                <a:schemeClr val="tx1"/>
-              </a:solidFill>
-            </a:endParaRPr>
-          </a:p>
-        </p:txBody>
-      </p:sp>
-      <p:sp>
-        <p:nvSpPr>
-          <p:cNvPr id="54" name="직사각형 53"/>
+        </p:txBody>
+      </p:sp>
+      <p:sp>
+        <p:nvSpPr>
+          <p:cNvPr id="69" name="직사각형 68"/>
           <p:cNvSpPr/>
           <p:nvPr/>
         </p:nvSpPr>
         <p:spPr>
           <a:xfrm>
-            <a:off x="3298280" y="7357384"/>
-            <a:ext cx="1819309" cy="864091"/>
+            <a:off x="7062164" y="4873773"/>
+            <a:ext cx="842752" cy="410826"/>
           </a:xfrm>
           <a:prstGeom prst="rect">
             <a:avLst/>
@@ -4891,55 +5120,39 @@
           <a:p>
             <a:pPr algn="ctr"/>
             <a:r>
-              <a:rPr lang="ko-KR" altLang="en-US" b="1" dirty="0" smtClean="0">
+              <a:rPr lang="ko-KR" altLang="en-US" sz="1000" b="1" dirty="0" err="1">
                 <a:solidFill>
                   <a:schemeClr val="tx1"/>
                 </a:solidFill>
               </a:rPr>
-              <a:t>가상 </a:t>
-            </a:r>
-            <a:r>
-              <a:rPr lang="ko-KR" altLang="en-US" b="1" dirty="0" err="1" smtClean="0">
+              <a:t>가상피팅된</a:t>
+            </a:r>
+            <a:r>
+              <a:rPr lang="ko-KR" altLang="en-US" sz="1000" b="1" dirty="0">
                 <a:solidFill>
                   <a:schemeClr val="tx1"/>
                 </a:solidFill>
               </a:rPr>
-              <a:t>피팅된</a:t>
-            </a:r>
-            <a:endParaRPr lang="en-US" altLang="ko-KR" b="1" dirty="0" smtClean="0">
+              <a:t> 모델 사진</a:t>
+            </a:r>
+            <a:endParaRPr lang="ko-KR" altLang="en-US" sz="1000" b="1" dirty="0">
               <a:solidFill>
                 <a:schemeClr val="tx1"/>
               </a:solidFill>
             </a:endParaRPr>
           </a:p>
-          <a:p>
-            <a:pPr algn="ctr"/>
-            <a:r>
-              <a:rPr lang="ko-KR" altLang="en-US" b="1" dirty="0" smtClean="0">
-                <a:solidFill>
-                  <a:schemeClr val="tx1"/>
-                </a:solidFill>
-              </a:rPr>
-              <a:t>고객의 이미지</a:t>
-            </a:r>
-            <a:endParaRPr lang="ko-KR" altLang="en-US" b="1" dirty="0">
-              <a:solidFill>
-                <a:schemeClr val="tx1"/>
-              </a:solidFill>
-            </a:endParaRPr>
-          </a:p>
-        </p:txBody>
-      </p:sp>
-      <p:sp>
-        <p:nvSpPr>
-          <p:cNvPr id="56" name="직사각형 55"/>
+        </p:txBody>
+      </p:sp>
+      <p:sp>
+        <p:nvSpPr>
+          <p:cNvPr id="70" name="직사각형 69"/>
           <p:cNvSpPr/>
           <p:nvPr/>
         </p:nvSpPr>
         <p:spPr>
           <a:xfrm>
-            <a:off x="-786812" y="7357384"/>
-            <a:ext cx="1819309" cy="864091"/>
+            <a:off x="1704692" y="4874561"/>
+            <a:ext cx="842752" cy="410826"/>
           </a:xfrm>
           <a:prstGeom prst="rect">
             <a:avLst/>
@@ -4975,66 +5188,48 @@
           <a:p>
             <a:pPr algn="ctr"/>
             <a:r>
-              <a:rPr lang="ko-KR" altLang="en-US" b="1" dirty="0" smtClean="0">
+              <a:rPr lang="ko-KR" altLang="en-US" sz="1000" b="1" dirty="0" err="1">
                 <a:solidFill>
                   <a:schemeClr val="tx1"/>
                 </a:solidFill>
               </a:rPr>
-              <a:t>가상 </a:t>
-            </a:r>
-            <a:r>
-              <a:rPr lang="ko-KR" altLang="en-US" b="1" dirty="0" err="1" smtClean="0">
+              <a:t>가상피팅된</a:t>
+            </a:r>
+            <a:r>
+              <a:rPr lang="ko-KR" altLang="en-US" sz="1000" b="1" dirty="0">
                 <a:solidFill>
                   <a:schemeClr val="tx1"/>
                 </a:solidFill>
               </a:rPr>
-              <a:t>피팅된</a:t>
-            </a:r>
-            <a:endParaRPr lang="en-US" altLang="ko-KR" b="1" dirty="0">
+              <a:t> 모델 사진</a:t>
+            </a:r>
+            <a:endParaRPr lang="ko-KR" altLang="en-US" sz="1000" b="1" dirty="0">
               <a:solidFill>
                 <a:schemeClr val="tx1"/>
               </a:solidFill>
             </a:endParaRPr>
           </a:p>
-          <a:p>
-            <a:pPr algn="ctr"/>
-            <a:r>
-              <a:rPr lang="ko-KR" altLang="en-US" b="1" dirty="0" smtClean="0">
-                <a:solidFill>
-                  <a:schemeClr val="tx1"/>
-                </a:solidFill>
-              </a:rPr>
-              <a:t>고객의 이미지</a:t>
-            </a:r>
-            <a:endParaRPr lang="ko-KR" altLang="en-US" b="1" dirty="0">
-              <a:solidFill>
-                <a:schemeClr val="tx1"/>
-              </a:solidFill>
-            </a:endParaRPr>
-          </a:p>
-        </p:txBody>
-      </p:sp>
-      <p:sp>
-        <p:nvSpPr>
-          <p:cNvPr id="58" name="직사각형 57"/>
+        </p:txBody>
+      </p:sp>
+      <p:sp>
+        <p:nvSpPr>
+          <p:cNvPr id="5" name="모서리가 둥근 직사각형 4"/>
           <p:cNvSpPr/>
           <p:nvPr/>
         </p:nvSpPr>
         <p:spPr>
           <a:xfrm>
-            <a:off x="3547636" y="3329552"/>
-            <a:ext cx="1765796" cy="720075"/>
+            <a:off x="5534026" y="4021039"/>
+            <a:ext cx="838174" cy="576064"/>
           </a:xfrm>
-          <a:prstGeom prst="rect">
+          <a:prstGeom prst="roundRect">
             <a:avLst/>
           </a:prstGeom>
           <a:solidFill>
             <a:schemeClr val="bg1"/>
           </a:solidFill>
           <a:ln>
-            <a:solidFill>
-              <a:schemeClr val="tx1"/>
-            </a:solidFill>
+            <a:noFill/>
           </a:ln>
         </p:spPr>
         <p:style>
@@ -5058,90 +5253,49 @@
           <a:lstStyle/>
           <a:p>
             <a:pPr algn="ctr"/>
-            <a:r>
-              <a:rPr lang="ko-KR" altLang="en-US" b="1" dirty="0" smtClean="0">
-                <a:solidFill>
-                  <a:schemeClr val="tx1"/>
-                </a:solidFill>
-              </a:rPr>
-              <a:t>의류 사진</a:t>
-            </a:r>
-            <a:endParaRPr lang="ko-KR" altLang="en-US" b="1" dirty="0">
-              <a:solidFill>
-                <a:schemeClr val="tx1"/>
-              </a:solidFill>
-            </a:endParaRPr>
-          </a:p>
-        </p:txBody>
-      </p:sp>
-      <p:sp>
-        <p:nvSpPr>
-          <p:cNvPr id="59" name="직사각형 58"/>
-          <p:cNvSpPr/>
+            <a:endParaRPr lang="ko-KR" altLang="en-US"/>
+          </a:p>
+        </p:txBody>
+      </p:sp>
+      <p:pic>
+        <p:nvPicPr>
+          <p:cNvPr id="3" name="Picture 2" descr="C:\Users\user\Desktop\Spring_Framework-Logo.png"/>
+          <p:cNvPicPr>
+            <a:picLocks noChangeAspect="1" noChangeArrowheads="1"/>
+          </p:cNvPicPr>
           <p:nvPr/>
-        </p:nvSpPr>
-        <p:spPr>
+        </p:nvPicPr>
+        <p:blipFill rotWithShape="1">
+          <a:blip r:embed="rId10" cstate="print">
+            <a:extLst>
+              <a:ext uri="{28A0092B-C50C-407E-A947-70E740481C1C}">
+                <a14:useLocalDpi xmlns:a14="http://schemas.microsoft.com/office/drawing/2010/main" val="0"/>
+              </a:ext>
+            </a:extLst>
+          </a:blip>
+          <a:srcRect l="9048" t="29378" r="66677" b="29615"/>
+          <a:stretch/>
+        </p:blipFill>
+        <p:spPr bwMode="auto">
           <a:xfrm>
-            <a:off x="7129655" y="3329552"/>
-            <a:ext cx="1762412" cy="720075"/>
+            <a:off x="5677191" y="4005503"/>
+            <a:ext cx="551843" cy="621487"/>
           </a:xfrm>
           <a:prstGeom prst="rect">
             <a:avLst/>
           </a:prstGeom>
-          <a:solidFill>
-            <a:schemeClr val="bg1"/>
-          </a:solidFill>
-          <a:ln>
-            <a:solidFill>
-              <a:schemeClr val="tx1"/>
-            </a:solidFill>
-          </a:ln>
+          <a:noFill/>
+          <a:extLst>
+            <a:ext uri="{909E8E84-426E-40DD-AFC4-6F175D3DCCD1}">
+              <a14:hiddenFill xmlns:a14="http://schemas.microsoft.com/office/drawing/2010/main">
+                <a:solidFill>
+                  <a:srgbClr val="FFFFFF"/>
+                </a:solidFill>
+              </a14:hiddenFill>
+            </a:ext>
+          </a:extLst>
         </p:spPr>
-        <p:style>
-          <a:lnRef idx="2">
-            <a:schemeClr val="accent1">
-              <a:shade val="50000"/>
-            </a:schemeClr>
-          </a:lnRef>
-          <a:fillRef idx="1">
-            <a:schemeClr val="accent1"/>
-          </a:fillRef>
-          <a:effectRef idx="0">
-            <a:schemeClr val="accent1"/>
-          </a:effectRef>
-          <a:fontRef idx="minor">
-            <a:schemeClr val="lt1"/>
-          </a:fontRef>
-        </p:style>
-        <p:txBody>
-          <a:bodyPr rtlCol="0" anchor="ctr"/>
-          <a:lstStyle/>
-          <a:p>
-            <a:pPr algn="ctr"/>
-            <a:r>
-              <a:rPr lang="ko-KR" altLang="en-US" b="1" dirty="0" smtClean="0">
-                <a:solidFill>
-                  <a:schemeClr val="tx1"/>
-                </a:solidFill>
-              </a:rPr>
-              <a:t>유사 </a:t>
-            </a:r>
-            <a:r>
-              <a:rPr lang="ko-KR" altLang="en-US" b="1" dirty="0" smtClean="0">
-                <a:solidFill>
-                  <a:schemeClr val="tx1"/>
-                </a:solidFill>
-              </a:rPr>
-              <a:t>의류 사진</a:t>
-            </a:r>
-            <a:endParaRPr lang="ko-KR" altLang="en-US" b="1" dirty="0">
-              <a:solidFill>
-                <a:schemeClr val="tx1"/>
-              </a:solidFill>
-            </a:endParaRPr>
-          </a:p>
-        </p:txBody>
-      </p:sp>
+      </p:pic>
     </p:spTree>
     <p:extLst>
       <p:ext uri="{BB962C8B-B14F-4D97-AF65-F5344CB8AC3E}">
